--- a/Poster.pptx
+++ b/Poster.pptx
@@ -254,7 +254,7 @@
           <a:p>
             <a:fld id="{0A97C127-C2C5-F943-9A5F-BB2085F90966}" type="datetimeFigureOut">
               <a:rPr lang="en-US" smtClean="0"/>
-              <a:t>4/25/19</a:t>
+              <a:t>4/26/19</a:t>
             </a:fld>
             <a:endParaRPr lang="en-US"/>
           </a:p>
@@ -424,7 +424,7 @@
           <a:p>
             <a:fld id="{0A97C127-C2C5-F943-9A5F-BB2085F90966}" type="datetimeFigureOut">
               <a:rPr lang="en-US" smtClean="0"/>
-              <a:t>4/25/19</a:t>
+              <a:t>4/26/19</a:t>
             </a:fld>
             <a:endParaRPr lang="en-US"/>
           </a:p>
@@ -604,7 +604,7 @@
           <a:p>
             <a:fld id="{0A97C127-C2C5-F943-9A5F-BB2085F90966}" type="datetimeFigureOut">
               <a:rPr lang="en-US" smtClean="0"/>
-              <a:t>4/25/19</a:t>
+              <a:t>4/26/19</a:t>
             </a:fld>
             <a:endParaRPr lang="en-US"/>
           </a:p>
@@ -774,7 +774,7 @@
           <a:p>
             <a:fld id="{0A97C127-C2C5-F943-9A5F-BB2085F90966}" type="datetimeFigureOut">
               <a:rPr lang="en-US" smtClean="0"/>
-              <a:t>4/25/19</a:t>
+              <a:t>4/26/19</a:t>
             </a:fld>
             <a:endParaRPr lang="en-US"/>
           </a:p>
@@ -1018,7 +1018,7 @@
           <a:p>
             <a:fld id="{0A97C127-C2C5-F943-9A5F-BB2085F90966}" type="datetimeFigureOut">
               <a:rPr lang="en-US" smtClean="0"/>
-              <a:t>4/25/19</a:t>
+              <a:t>4/26/19</a:t>
             </a:fld>
             <a:endParaRPr lang="en-US"/>
           </a:p>
@@ -1250,7 +1250,7 @@
           <a:p>
             <a:fld id="{0A97C127-C2C5-F943-9A5F-BB2085F90966}" type="datetimeFigureOut">
               <a:rPr lang="en-US" smtClean="0"/>
-              <a:t>4/25/19</a:t>
+              <a:t>4/26/19</a:t>
             </a:fld>
             <a:endParaRPr lang="en-US"/>
           </a:p>
@@ -1617,7 +1617,7 @@
           <a:p>
             <a:fld id="{0A97C127-C2C5-F943-9A5F-BB2085F90966}" type="datetimeFigureOut">
               <a:rPr lang="en-US" smtClean="0"/>
-              <a:t>4/25/19</a:t>
+              <a:t>4/26/19</a:t>
             </a:fld>
             <a:endParaRPr lang="en-US"/>
           </a:p>
@@ -1735,7 +1735,7 @@
           <a:p>
             <a:fld id="{0A97C127-C2C5-F943-9A5F-BB2085F90966}" type="datetimeFigureOut">
               <a:rPr lang="en-US" smtClean="0"/>
-              <a:t>4/25/19</a:t>
+              <a:t>4/26/19</a:t>
             </a:fld>
             <a:endParaRPr lang="en-US"/>
           </a:p>
@@ -1830,7 +1830,7 @@
           <a:p>
             <a:fld id="{0A97C127-C2C5-F943-9A5F-BB2085F90966}" type="datetimeFigureOut">
               <a:rPr lang="en-US" smtClean="0"/>
-              <a:t>4/25/19</a:t>
+              <a:t>4/26/19</a:t>
             </a:fld>
             <a:endParaRPr lang="en-US"/>
           </a:p>
@@ -2107,7 +2107,7 @@
           <a:p>
             <a:fld id="{0A97C127-C2C5-F943-9A5F-BB2085F90966}" type="datetimeFigureOut">
               <a:rPr lang="en-US" smtClean="0"/>
-              <a:t>4/25/19</a:t>
+              <a:t>4/26/19</a:t>
             </a:fld>
             <a:endParaRPr lang="en-US"/>
           </a:p>
@@ -2364,7 +2364,7 @@
           <a:p>
             <a:fld id="{0A97C127-C2C5-F943-9A5F-BB2085F90966}" type="datetimeFigureOut">
               <a:rPr lang="en-US" smtClean="0"/>
-              <a:t>4/25/19</a:t>
+              <a:t>4/26/19</a:t>
             </a:fld>
             <a:endParaRPr lang="en-US"/>
           </a:p>
@@ -2577,7 +2577,7 @@
           <a:p>
             <a:fld id="{0A97C127-C2C5-F943-9A5F-BB2085F90966}" type="datetimeFigureOut">
               <a:rPr lang="en-US" smtClean="0"/>
-              <a:t>4/25/19</a:t>
+              <a:t>4/26/19</a:t>
             </a:fld>
             <a:endParaRPr lang="en-US"/>
           </a:p>
@@ -3329,7 +3329,19 @@
               <a:rPr lang="en-US" sz="4000" dirty="0">
                 <a:latin typeface="Garamond" panose="02020404030301010803" pitchFamily="18" charset="0"/>
               </a:rPr>
-              <a:t>Generally, these 12 horoscope signs are described as experiencing different personas and life events when the cosmos align a certain way. The method of “fortune-telling” has become very trendy, with daily horoscope features on platforms such as newspapers, Facebook, and Snapchat.</a:t>
+              <a:t>Generally, these 12 horoscope signs are described as experiencing different personas and life events when the cosmos align a certain way. The method of “fortune-telling” has become very trendy, with daily horoscope </a:t>
+            </a:r>
+            <a:r>
+              <a:rPr lang="en-US" sz="4000" dirty="0" err="1">
+                <a:latin typeface="Garamond" panose="02020404030301010803" pitchFamily="18" charset="0"/>
+              </a:rPr>
+              <a:t>featurexs</a:t>
+            </a:r>
+            <a:r>
+              <a:rPr lang="en-US" sz="4000" dirty="0">
+                <a:latin typeface="Garamond" panose="02020404030301010803" pitchFamily="18" charset="0"/>
+              </a:rPr>
+              <a:t> on platforms such as newspapers, Facebook, and Snapchat.</a:t>
             </a:r>
           </a:p>
           <a:p>
@@ -3820,7 +3832,7 @@
         <p:spPr>
           <a:xfrm>
             <a:off x="14406880" y="34024669"/>
-            <a:ext cx="12341014" cy="646331"/>
+            <a:ext cx="12341014" cy="2308324"/>
           </a:xfrm>
           <a:prstGeom prst="rect">
             <a:avLst/>
@@ -3843,18 +3855,7 @@
                 </a:solidFill>
                 <a:latin typeface="Garamond" panose="02020404030301010803" pitchFamily="18" charset="0"/>
               </a:rPr>
-              <a:t>[1] https://</a:t>
-            </a:r>
-            <a:r>
-              <a:rPr lang="en-US" sz="3600" dirty="0" err="1">
-                <a:solidFill>
-                  <a:schemeClr val="bg1">
-                    <a:lumMod val="50000"/>
-                  </a:schemeClr>
-                </a:solidFill>
-                <a:latin typeface="Garamond" panose="02020404030301010803" pitchFamily="18" charset="0"/>
-              </a:rPr>
-              <a:t>medium.com</a:t>
+              <a:t>[1] </a:t>
             </a:r>
             <a:r>
               <a:rPr lang="en-US" sz="3600" dirty="0">
@@ -3864,20 +3865,32 @@
                   </a:schemeClr>
                 </a:solidFill>
                 <a:latin typeface="Garamond" panose="02020404030301010803" pitchFamily="18" charset="0"/>
-              </a:rPr>
-              <a:t>/@</a:t>
-            </a:r>
-            <a:r>
-              <a:rPr lang="en-US" sz="3600" dirty="0" err="1">
-                <a:solidFill>
-                  <a:schemeClr val="bg1">
-                    <a:lumMod val="50000"/>
-                  </a:schemeClr>
-                </a:solidFill>
-                <a:latin typeface="Garamond" panose="02020404030301010803" pitchFamily="18" charset="0"/>
-              </a:rPr>
-              <a:t>samim</a:t>
-            </a:r>
+                <a:hlinkClick r:id="rId2"/>
+              </a:rPr>
+              <a:t>https://medium.com/@samim/a-i-astrology-804cbec95968</a:t>
+            </a:r>
+            <a:endParaRPr lang="en-US" sz="3600" dirty="0">
+              <a:solidFill>
+                <a:schemeClr val="bg1">
+                  <a:lumMod val="50000"/>
+                </a:schemeClr>
+              </a:solidFill>
+              <a:latin typeface="Garamond" panose="02020404030301010803" pitchFamily="18" charset="0"/>
+            </a:endParaRPr>
+          </a:p>
+          <a:p>
+            <a:pPr algn="just"/>
+            <a:endParaRPr lang="en-US" sz="3600" dirty="0">
+              <a:solidFill>
+                <a:schemeClr val="bg1">
+                  <a:lumMod val="50000"/>
+                </a:schemeClr>
+              </a:solidFill>
+              <a:latin typeface="Garamond" panose="02020404030301010803" pitchFamily="18" charset="0"/>
+            </a:endParaRPr>
+          </a:p>
+          <a:p>
+            <a:pPr algn="just"/>
             <a:r>
               <a:rPr lang="en-US" sz="3600" dirty="0">
                 <a:solidFill>
@@ -3887,96 +3900,23 @@
                 </a:solidFill>
                 <a:latin typeface="Garamond" panose="02020404030301010803" pitchFamily="18" charset="0"/>
               </a:rPr>
-              <a:t>/a-i-astrology-804cbec95968</a:t>
-            </a:r>
-          </a:p>
-        </p:txBody>
-      </p:sp>
-      <p:sp>
-        <p:nvSpPr>
-          <p:cNvPr id="19" name="TextBox 18">
-            <a:extLst>
-              <a:ext uri="{FF2B5EF4-FFF2-40B4-BE49-F238E27FC236}">
-                <a16:creationId xmlns:a16="http://schemas.microsoft.com/office/drawing/2014/main" id="{69AD10F6-2FC2-F246-93C4-60E54FE21BCD}"/>
-              </a:ext>
-            </a:extLst>
-          </p:cNvPr>
-          <p:cNvSpPr txBox="1"/>
-          <p:nvPr/>
-        </p:nvSpPr>
-        <p:spPr>
-          <a:xfrm>
-            <a:off x="416560" y="28339018"/>
-            <a:ext cx="12808374" cy="707886"/>
-          </a:xfrm>
-          <a:prstGeom prst="rect">
-            <a:avLst/>
-          </a:prstGeom>
-          <a:solidFill>
-            <a:schemeClr val="tx1"/>
-          </a:solidFill>
-        </p:spPr>
-        <p:txBody>
-          <a:bodyPr wrap="square" rtlCol="0">
-            <a:spAutoFit/>
-          </a:bodyPr>
-          <a:lstStyle/>
-          <a:p>
-            <a:pPr algn="ctr"/>
-            <a:r>
-              <a:rPr lang="en-US" sz="4000" dirty="0">
-                <a:solidFill>
-                  <a:schemeClr val="bg1"/>
-                </a:solidFill>
-                <a:latin typeface="Didot" panose="02000503000000020003" pitchFamily="2" charset="-79"/>
-                <a:cs typeface="Didot" panose="02000503000000020003" pitchFamily="2" charset="-79"/>
-              </a:rPr>
-              <a:t>Approach: APPROACH NAME GOES HERE</a:t>
-            </a:r>
-          </a:p>
-        </p:txBody>
-      </p:sp>
-      <p:sp>
-        <p:nvSpPr>
-          <p:cNvPr id="20" name="TextBox 19">
-            <a:extLst>
-              <a:ext uri="{FF2B5EF4-FFF2-40B4-BE49-F238E27FC236}">
-                <a16:creationId xmlns:a16="http://schemas.microsoft.com/office/drawing/2014/main" id="{8F71EF92-5E64-6D4B-8CAF-EEE037A73C0E}"/>
-              </a:ext>
-            </a:extLst>
-          </p:cNvPr>
-          <p:cNvSpPr txBox="1"/>
-          <p:nvPr/>
-        </p:nvSpPr>
-        <p:spPr>
-          <a:xfrm>
-            <a:off x="680720" y="29264312"/>
-            <a:ext cx="12341014" cy="1938992"/>
-          </a:xfrm>
-          <a:prstGeom prst="rect">
-            <a:avLst/>
-          </a:prstGeom>
-          <a:noFill/>
-        </p:spPr>
-        <p:txBody>
-          <a:bodyPr wrap="square" rtlCol="0">
-            <a:spAutoFit/>
-          </a:bodyPr>
-          <a:lstStyle/>
-          <a:p>
-            <a:pPr algn="just"/>
-            <a:r>
-              <a:rPr lang="en-US" sz="4000" dirty="0">
-                <a:solidFill>
-                  <a:srgbClr val="C00000"/>
-                </a:solidFill>
-                <a:latin typeface="Garamond" panose="02020404030301010803" pitchFamily="18" charset="0"/>
-              </a:rPr>
-              <a:t>Use this section to show the context, novelty, and/or significance of your work by pointing out the difference between above examples and your work</a:t>
-            </a:r>
-            <a:endParaRPr lang="en-US" sz="4000" baseline="30000" dirty="0">
+              <a:t>[2] </a:t>
+            </a:r>
+            <a:r>
+              <a:rPr lang="en-US" sz="3600" dirty="0">
+                <a:hlinkClick r:id="rId3"/>
+              </a:rPr>
+              <a:t>https://sagittarius.com/archive/</a:t>
+            </a:r>
+            <a:endParaRPr lang="en-US" sz="3600" dirty="0"/>
+          </a:p>
+          <a:p>
+            <a:pPr algn="just"/>
+            <a:endParaRPr lang="en-US" sz="3600" dirty="0">
               <a:solidFill>
-                <a:srgbClr val="C00000"/>
+                <a:schemeClr val="bg1">
+                  <a:lumMod val="50000"/>
+                </a:schemeClr>
               </a:solidFill>
               <a:latin typeface="Garamond" panose="02020404030301010803" pitchFamily="18" charset="0"/>
             </a:endParaRPr>
@@ -4042,7 +3982,7 @@
         <p:spPr>
           <a:xfrm>
             <a:off x="14406880" y="5881512"/>
-            <a:ext cx="12341014" cy="16507083"/>
+            <a:ext cx="12341014" cy="25740380"/>
           </a:xfrm>
           <a:prstGeom prst="rect">
             <a:avLst/>
@@ -4057,324 +3997,312 @@
           <a:p>
             <a:pPr algn="just"/>
             <a:r>
+              <a:rPr lang="en-US" sz="4000" b="1" dirty="0">
+                <a:latin typeface="Garamond" panose="02020404030301010803" pitchFamily="18" charset="0"/>
+              </a:rPr>
+              <a:t>Data Collection </a:t>
+            </a:r>
+            <a:r>
               <a:rPr lang="en-US" sz="4000" dirty="0">
-                <a:solidFill>
-                  <a:srgbClr val="C00000"/>
-                </a:solidFill>
                 <a:latin typeface="Garamond" panose="02020404030301010803" pitchFamily="18" charset="0"/>
               </a:rPr>
-              <a:t>Include a thorough explanation of your method: Use visual images over text as much as possible to capture attention and make concepts easier to grasp</a:t>
-            </a:r>
+              <a:t>We gathered roughly 40k lines of horoscopes from </a:t>
+            </a:r>
+            <a:r>
+              <a:rPr lang="en-US" sz="4000" dirty="0" err="1">
+                <a:latin typeface="Garamond" panose="02020404030301010803" pitchFamily="18" charset="0"/>
+              </a:rPr>
+              <a:t>Sagittarius.com</a:t>
+            </a:r>
+            <a:r>
+              <a:rPr lang="en-US" sz="4000" dirty="0">
+                <a:latin typeface="Garamond" panose="02020404030301010803" pitchFamily="18" charset="0"/>
+              </a:rPr>
+              <a:t>, labeled with the corresponding horoscope sign and date. We also cleaned out quotation marks, as start and end quotation marks tended to get confusing for the algorithm to learn. </a:t>
+            </a:r>
+          </a:p>
+          <a:p>
+            <a:pPr algn="just"/>
+            <a:r>
+              <a:rPr lang="en-US" sz="4000" b="1" dirty="0">
+                <a:latin typeface="Garamond" panose="02020404030301010803" pitchFamily="18" charset="0"/>
+              </a:rPr>
+              <a:t>RNN Sequence Generation </a:t>
+            </a:r>
+            <a:r>
+              <a:rPr lang="en-US" sz="4000" dirty="0">
+                <a:latin typeface="Garamond" panose="02020404030301010803" pitchFamily="18" charset="0"/>
+              </a:rPr>
+              <a:t>Next, we used a </a:t>
+            </a:r>
+            <a:r>
+              <a:rPr lang="en-US" sz="4000" dirty="0" err="1">
+                <a:latin typeface="Garamond" panose="02020404030301010803" pitchFamily="18" charset="0"/>
+              </a:rPr>
+              <a:t>Pytorch</a:t>
+            </a:r>
+            <a:r>
+              <a:rPr lang="en-US" sz="4000" dirty="0">
+                <a:latin typeface="Garamond" panose="02020404030301010803" pitchFamily="18" charset="0"/>
+              </a:rPr>
+              <a:t> implementation of Conditional RNN Sequence Generation, conditioning on the horoscope type and feeding in the lyrics starting with day of week into the model. We played around with the temperature, and found that a temperature between 0.8~1.0 worked best, so we generated 100 random horoscopes with a random temperature between 0.8 and 1.0, for each day of week and horoscope sign. </a:t>
+            </a:r>
+          </a:p>
+          <a:p>
+            <a:pPr algn="just"/>
+            <a:r>
+              <a:rPr lang="en-US" sz="4000" b="1" dirty="0">
+                <a:latin typeface="Garamond" panose="02020404030301010803" pitchFamily="18" charset="0"/>
+              </a:rPr>
+              <a:t>Key Word Generation (JENN) </a:t>
+            </a:r>
+          </a:p>
+          <a:p>
+            <a:pPr algn="just"/>
+            <a:r>
+              <a:rPr lang="en-US" sz="4000" b="1" dirty="0" err="1">
+                <a:latin typeface="Garamond" panose="02020404030301010803" pitchFamily="18" charset="0"/>
+              </a:rPr>
+              <a:t>ChristmAIs</a:t>
+            </a:r>
+            <a:r>
+              <a:rPr lang="en-US" sz="4000" dirty="0">
+                <a:latin typeface="Garamond" panose="02020404030301010803" pitchFamily="18" charset="0"/>
+              </a:rPr>
+              <a:t> This is a text-to-abstract art generation algorithm. We only used part of this program (text-to-sketch) to first find the most similar Quick Draw class based on the key word output and then applying </a:t>
+            </a:r>
+            <a:r>
+              <a:rPr lang="en-US" sz="4000" dirty="0" err="1">
+                <a:latin typeface="Garamond" panose="02020404030301010803" pitchFamily="18" charset="0"/>
+              </a:rPr>
+              <a:t>SketchRNN</a:t>
+            </a:r>
+            <a:r>
+              <a:rPr lang="en-US" sz="4000" dirty="0">
+                <a:latin typeface="Garamond" panose="02020404030301010803" pitchFamily="18" charset="0"/>
+              </a:rPr>
+              <a:t>. </a:t>
+            </a:r>
+          </a:p>
+          <a:p>
+            <a:pPr algn="just"/>
+            <a:r>
+              <a:rPr lang="en-US" sz="4000" b="1" dirty="0" err="1">
+                <a:latin typeface="Garamond" panose="02020404030301010803" pitchFamily="18" charset="0"/>
+              </a:rPr>
+              <a:t>Rshiny</a:t>
+            </a:r>
+            <a:r>
+              <a:rPr lang="en-US" sz="4000" b="1" dirty="0">
+                <a:latin typeface="Garamond" panose="02020404030301010803" pitchFamily="18" charset="0"/>
+              </a:rPr>
+              <a:t> (?)</a:t>
+            </a:r>
+            <a:endParaRPr lang="en-US" sz="4000" b="1" baseline="30000" dirty="0">
+              <a:latin typeface="Garamond" panose="02020404030301010803" pitchFamily="18" charset="0"/>
+            </a:endParaRPr>
+          </a:p>
+          <a:p>
+            <a:pPr algn="just"/>
             <a:endParaRPr lang="en-US" sz="4000" baseline="30000" dirty="0">
-              <a:solidFill>
-                <a:srgbClr val="C00000"/>
-              </a:solidFill>
               <a:latin typeface="Garamond" panose="02020404030301010803" pitchFamily="18" charset="0"/>
             </a:endParaRPr>
           </a:p>
           <a:p>
             <a:pPr algn="just"/>
             <a:endParaRPr lang="en-US" sz="4000" baseline="30000" dirty="0">
-              <a:solidFill>
-                <a:srgbClr val="C00000"/>
-              </a:solidFill>
               <a:latin typeface="Garamond" panose="02020404030301010803" pitchFamily="18" charset="0"/>
             </a:endParaRPr>
           </a:p>
           <a:p>
             <a:pPr algn="just"/>
             <a:endParaRPr lang="en-US" sz="4000" baseline="30000" dirty="0">
-              <a:solidFill>
-                <a:srgbClr val="C00000"/>
-              </a:solidFill>
               <a:latin typeface="Garamond" panose="02020404030301010803" pitchFamily="18" charset="0"/>
             </a:endParaRPr>
           </a:p>
           <a:p>
             <a:pPr algn="just"/>
             <a:endParaRPr lang="en-US" sz="4000" baseline="30000" dirty="0">
-              <a:solidFill>
-                <a:srgbClr val="C00000"/>
-              </a:solidFill>
               <a:latin typeface="Garamond" panose="02020404030301010803" pitchFamily="18" charset="0"/>
             </a:endParaRPr>
           </a:p>
           <a:p>
             <a:pPr algn="just"/>
             <a:endParaRPr lang="en-US" sz="4000" baseline="30000" dirty="0">
-              <a:solidFill>
-                <a:srgbClr val="C00000"/>
-              </a:solidFill>
               <a:latin typeface="Garamond" panose="02020404030301010803" pitchFamily="18" charset="0"/>
             </a:endParaRPr>
           </a:p>
           <a:p>
             <a:pPr algn="just"/>
             <a:endParaRPr lang="en-US" sz="4000" baseline="30000" dirty="0">
-              <a:solidFill>
-                <a:srgbClr val="C00000"/>
-              </a:solidFill>
               <a:latin typeface="Garamond" panose="02020404030301010803" pitchFamily="18" charset="0"/>
             </a:endParaRPr>
           </a:p>
           <a:p>
             <a:pPr algn="just"/>
             <a:endParaRPr lang="en-US" sz="4000" baseline="30000" dirty="0">
-              <a:solidFill>
-                <a:srgbClr val="C00000"/>
-              </a:solidFill>
               <a:latin typeface="Garamond" panose="02020404030301010803" pitchFamily="18" charset="0"/>
             </a:endParaRPr>
           </a:p>
           <a:p>
             <a:pPr algn="just"/>
             <a:endParaRPr lang="en-US" sz="4000" baseline="30000" dirty="0">
-              <a:solidFill>
-                <a:srgbClr val="C00000"/>
-              </a:solidFill>
               <a:latin typeface="Garamond" panose="02020404030301010803" pitchFamily="18" charset="0"/>
             </a:endParaRPr>
           </a:p>
           <a:p>
             <a:pPr algn="just"/>
             <a:endParaRPr lang="en-US" sz="4000" baseline="30000" dirty="0">
-              <a:solidFill>
-                <a:srgbClr val="C00000"/>
-              </a:solidFill>
               <a:latin typeface="Garamond" panose="02020404030301010803" pitchFamily="18" charset="0"/>
             </a:endParaRPr>
           </a:p>
           <a:p>
             <a:pPr algn="just"/>
             <a:endParaRPr lang="en-US" sz="4000" baseline="30000" dirty="0">
-              <a:solidFill>
-                <a:srgbClr val="C00000"/>
-              </a:solidFill>
               <a:latin typeface="Garamond" panose="02020404030301010803" pitchFamily="18" charset="0"/>
             </a:endParaRPr>
           </a:p>
           <a:p>
             <a:pPr algn="just"/>
             <a:endParaRPr lang="en-US" sz="4000" baseline="30000" dirty="0">
-              <a:solidFill>
-                <a:srgbClr val="C00000"/>
-              </a:solidFill>
               <a:latin typeface="Garamond" panose="02020404030301010803" pitchFamily="18" charset="0"/>
             </a:endParaRPr>
           </a:p>
           <a:p>
             <a:pPr algn="just"/>
             <a:endParaRPr lang="en-US" sz="4000" baseline="30000" dirty="0">
-              <a:solidFill>
-                <a:srgbClr val="C00000"/>
-              </a:solidFill>
               <a:latin typeface="Garamond" panose="02020404030301010803" pitchFamily="18" charset="0"/>
             </a:endParaRPr>
           </a:p>
           <a:p>
             <a:pPr algn="just"/>
             <a:endParaRPr lang="en-US" sz="4000" baseline="30000" dirty="0">
-              <a:solidFill>
-                <a:srgbClr val="C00000"/>
-              </a:solidFill>
               <a:latin typeface="Garamond" panose="02020404030301010803" pitchFamily="18" charset="0"/>
             </a:endParaRPr>
           </a:p>
           <a:p>
             <a:pPr algn="just"/>
             <a:endParaRPr lang="en-US" sz="4000" baseline="30000" dirty="0">
-              <a:solidFill>
-                <a:srgbClr val="C00000"/>
-              </a:solidFill>
               <a:latin typeface="Garamond" panose="02020404030301010803" pitchFamily="18" charset="0"/>
             </a:endParaRPr>
           </a:p>
           <a:p>
             <a:pPr algn="just"/>
             <a:endParaRPr lang="en-US" sz="4000" baseline="30000" dirty="0">
-              <a:solidFill>
-                <a:srgbClr val="C00000"/>
-              </a:solidFill>
               <a:latin typeface="Garamond" panose="02020404030301010803" pitchFamily="18" charset="0"/>
             </a:endParaRPr>
           </a:p>
           <a:p>
             <a:pPr algn="just"/>
             <a:endParaRPr lang="en-US" sz="4000" baseline="30000" dirty="0">
-              <a:solidFill>
-                <a:srgbClr val="C00000"/>
-              </a:solidFill>
               <a:latin typeface="Garamond" panose="02020404030301010803" pitchFamily="18" charset="0"/>
             </a:endParaRPr>
           </a:p>
           <a:p>
             <a:pPr algn="just"/>
             <a:endParaRPr lang="en-US" sz="4000" baseline="30000" dirty="0">
-              <a:solidFill>
-                <a:srgbClr val="C00000"/>
-              </a:solidFill>
               <a:latin typeface="Garamond" panose="02020404030301010803" pitchFamily="18" charset="0"/>
             </a:endParaRPr>
           </a:p>
           <a:p>
             <a:pPr algn="just"/>
             <a:endParaRPr lang="en-US" sz="4000" baseline="30000" dirty="0">
-              <a:solidFill>
-                <a:srgbClr val="C00000"/>
-              </a:solidFill>
               <a:latin typeface="Garamond" panose="02020404030301010803" pitchFamily="18" charset="0"/>
             </a:endParaRPr>
           </a:p>
           <a:p>
             <a:pPr algn="just"/>
             <a:endParaRPr lang="en-US" sz="4000" baseline="30000" dirty="0">
-              <a:solidFill>
-                <a:srgbClr val="C00000"/>
-              </a:solidFill>
               <a:latin typeface="Garamond" panose="02020404030301010803" pitchFamily="18" charset="0"/>
             </a:endParaRPr>
           </a:p>
           <a:p>
             <a:pPr algn="just"/>
             <a:endParaRPr lang="en-US" sz="4000" baseline="30000" dirty="0">
-              <a:solidFill>
-                <a:srgbClr val="C00000"/>
-              </a:solidFill>
               <a:latin typeface="Garamond" panose="02020404030301010803" pitchFamily="18" charset="0"/>
             </a:endParaRPr>
           </a:p>
           <a:p>
             <a:pPr algn="just"/>
             <a:endParaRPr lang="en-US" sz="4000" baseline="30000" dirty="0">
-              <a:solidFill>
-                <a:srgbClr val="C00000"/>
-              </a:solidFill>
               <a:latin typeface="Garamond" panose="02020404030301010803" pitchFamily="18" charset="0"/>
             </a:endParaRPr>
           </a:p>
           <a:p>
             <a:pPr algn="just"/>
             <a:endParaRPr lang="en-US" sz="4000" baseline="30000" dirty="0">
-              <a:solidFill>
-                <a:srgbClr val="C00000"/>
-              </a:solidFill>
               <a:latin typeface="Garamond" panose="02020404030301010803" pitchFamily="18" charset="0"/>
             </a:endParaRPr>
           </a:p>
           <a:p>
             <a:pPr algn="just"/>
             <a:endParaRPr lang="en-US" sz="4000" baseline="30000" dirty="0">
-              <a:solidFill>
-                <a:srgbClr val="C00000"/>
-              </a:solidFill>
               <a:latin typeface="Garamond" panose="02020404030301010803" pitchFamily="18" charset="0"/>
             </a:endParaRPr>
           </a:p>
           <a:p>
             <a:pPr algn="just"/>
             <a:endParaRPr lang="en-US" sz="4000" baseline="30000" dirty="0">
-              <a:solidFill>
-                <a:srgbClr val="C00000"/>
-              </a:solidFill>
               <a:latin typeface="Garamond" panose="02020404030301010803" pitchFamily="18" charset="0"/>
             </a:endParaRPr>
           </a:p>
           <a:p>
             <a:pPr algn="just"/>
             <a:endParaRPr lang="en-US" sz="4000" baseline="30000" dirty="0">
-              <a:solidFill>
-                <a:srgbClr val="C00000"/>
-              </a:solidFill>
               <a:latin typeface="Garamond" panose="02020404030301010803" pitchFamily="18" charset="0"/>
             </a:endParaRPr>
           </a:p>
           <a:p>
             <a:pPr algn="just"/>
             <a:endParaRPr lang="en-US" sz="4000" baseline="30000" dirty="0">
-              <a:solidFill>
-                <a:srgbClr val="C00000"/>
-              </a:solidFill>
               <a:latin typeface="Garamond" panose="02020404030301010803" pitchFamily="18" charset="0"/>
             </a:endParaRPr>
           </a:p>
           <a:p>
             <a:pPr algn="just"/>
             <a:endParaRPr lang="en-US" sz="4000" baseline="30000" dirty="0">
-              <a:solidFill>
-                <a:srgbClr val="C00000"/>
-              </a:solidFill>
               <a:latin typeface="Garamond" panose="02020404030301010803" pitchFamily="18" charset="0"/>
             </a:endParaRPr>
           </a:p>
           <a:p>
             <a:pPr algn="just"/>
             <a:endParaRPr lang="en-US" sz="4000" baseline="30000" dirty="0">
-              <a:solidFill>
-                <a:srgbClr val="C00000"/>
-              </a:solidFill>
               <a:latin typeface="Garamond" panose="02020404030301010803" pitchFamily="18" charset="0"/>
             </a:endParaRPr>
           </a:p>
           <a:p>
             <a:pPr algn="just"/>
             <a:endParaRPr lang="en-US" sz="4000" baseline="30000" dirty="0">
-              <a:solidFill>
-                <a:srgbClr val="C00000"/>
-              </a:solidFill>
               <a:latin typeface="Garamond" panose="02020404030301010803" pitchFamily="18" charset="0"/>
             </a:endParaRPr>
           </a:p>
           <a:p>
             <a:pPr algn="just"/>
             <a:endParaRPr lang="en-US" sz="4000" baseline="30000" dirty="0">
-              <a:solidFill>
-                <a:srgbClr val="C00000"/>
-              </a:solidFill>
               <a:latin typeface="Garamond" panose="02020404030301010803" pitchFamily="18" charset="0"/>
             </a:endParaRPr>
           </a:p>
           <a:p>
             <a:pPr algn="just"/>
             <a:endParaRPr lang="en-US" sz="4000" baseline="30000" dirty="0">
-              <a:solidFill>
-                <a:srgbClr val="C00000"/>
-              </a:solidFill>
               <a:latin typeface="Garamond" panose="02020404030301010803" pitchFamily="18" charset="0"/>
             </a:endParaRPr>
           </a:p>
           <a:p>
             <a:pPr algn="just"/>
             <a:endParaRPr lang="en-US" sz="4000" baseline="30000" dirty="0">
-              <a:solidFill>
-                <a:srgbClr val="C00000"/>
-              </a:solidFill>
               <a:latin typeface="Garamond" panose="02020404030301010803" pitchFamily="18" charset="0"/>
             </a:endParaRPr>
           </a:p>
           <a:p>
             <a:pPr algn="just"/>
             <a:endParaRPr lang="en-US" sz="4000" baseline="30000" dirty="0">
-              <a:solidFill>
-                <a:srgbClr val="C00000"/>
-              </a:solidFill>
-              <a:latin typeface="Garamond" panose="02020404030301010803" pitchFamily="18" charset="0"/>
-            </a:endParaRPr>
-          </a:p>
-          <a:p>
-            <a:pPr algn="just"/>
-            <a:endParaRPr lang="en-US" sz="4000" baseline="30000" dirty="0">
-              <a:solidFill>
-                <a:srgbClr val="C00000"/>
-              </a:solidFill>
               <a:latin typeface="Garamond" panose="02020404030301010803" pitchFamily="18" charset="0"/>
             </a:endParaRPr>
           </a:p>
           <a:p>
             <a:pPr algn="just"/>
             <a:endParaRPr lang="en-US" sz="4000" dirty="0">
-              <a:solidFill>
-                <a:srgbClr val="C00000"/>
-              </a:solidFill>
               <a:latin typeface="Garamond" panose="02020404030301010803" pitchFamily="18" charset="0"/>
             </a:endParaRPr>
           </a:p>
@@ -4439,7 +4367,7 @@
         <p:spPr>
           <a:xfrm>
             <a:off x="14406880" y="23434417"/>
-            <a:ext cx="12341014" cy="9325630"/>
+            <a:ext cx="12341014" cy="3785652"/>
           </a:xfrm>
           <a:prstGeom prst="rect">
             <a:avLst/>
@@ -4453,192 +4381,30 @@
           <a:lstStyle/>
           <a:p>
             <a:pPr algn="just"/>
+            <a:endParaRPr lang="en-US" sz="4000" dirty="0">
+              <a:latin typeface="Garamond" panose="02020404030301010803" pitchFamily="18" charset="0"/>
+            </a:endParaRPr>
+          </a:p>
+          <a:p>
+            <a:pPr algn="just"/>
+            <a:endParaRPr lang="en-US" sz="4000" dirty="0">
+              <a:latin typeface="Garamond" panose="02020404030301010803" pitchFamily="18" charset="0"/>
+            </a:endParaRPr>
+          </a:p>
+          <a:p>
+            <a:pPr algn="just"/>
+            <a:endParaRPr lang="en-US" sz="4000" dirty="0">
+              <a:latin typeface="Garamond" panose="02020404030301010803" pitchFamily="18" charset="0"/>
+            </a:endParaRPr>
+          </a:p>
+          <a:p>
+            <a:pPr algn="just"/>
             <a:r>
               <a:rPr lang="en-US" sz="4000" dirty="0">
-                <a:solidFill>
-                  <a:srgbClr val="C00000"/>
-                </a:solidFill>
                 <a:latin typeface="Garamond" panose="02020404030301010803" pitchFamily="18" charset="0"/>
               </a:rPr>
-              <a:t>Describe limitations of method and indicate directions of future work </a:t>
-            </a:r>
-            <a:endParaRPr lang="en-US" sz="4000" baseline="30000" dirty="0">
-              <a:solidFill>
-                <a:srgbClr val="C00000"/>
-              </a:solidFill>
-              <a:latin typeface="Garamond" panose="02020404030301010803" pitchFamily="18" charset="0"/>
-            </a:endParaRPr>
-          </a:p>
-          <a:p>
-            <a:pPr algn="just"/>
-            <a:endParaRPr lang="en-US" sz="4000" baseline="30000" dirty="0">
-              <a:solidFill>
-                <a:srgbClr val="C00000"/>
-              </a:solidFill>
-              <a:latin typeface="Garamond" panose="02020404030301010803" pitchFamily="18" charset="0"/>
-            </a:endParaRPr>
-          </a:p>
-          <a:p>
-            <a:pPr algn="just"/>
-            <a:endParaRPr lang="en-US" sz="4000" baseline="30000" dirty="0">
-              <a:solidFill>
-                <a:srgbClr val="C00000"/>
-              </a:solidFill>
-              <a:latin typeface="Garamond" panose="02020404030301010803" pitchFamily="18" charset="0"/>
-            </a:endParaRPr>
-          </a:p>
-          <a:p>
-            <a:pPr algn="just"/>
-            <a:endParaRPr lang="en-US" sz="4000" baseline="30000" dirty="0">
-              <a:solidFill>
-                <a:srgbClr val="C00000"/>
-              </a:solidFill>
-              <a:latin typeface="Garamond" panose="02020404030301010803" pitchFamily="18" charset="0"/>
-            </a:endParaRPr>
-          </a:p>
-          <a:p>
-            <a:pPr algn="just"/>
-            <a:endParaRPr lang="en-US" sz="4000" baseline="30000" dirty="0">
-              <a:solidFill>
-                <a:srgbClr val="C00000"/>
-              </a:solidFill>
-              <a:latin typeface="Garamond" panose="02020404030301010803" pitchFamily="18" charset="0"/>
-            </a:endParaRPr>
-          </a:p>
-          <a:p>
-            <a:pPr algn="just"/>
-            <a:endParaRPr lang="en-US" sz="4000" baseline="30000" dirty="0">
-              <a:solidFill>
-                <a:srgbClr val="C00000"/>
-              </a:solidFill>
-              <a:latin typeface="Garamond" panose="02020404030301010803" pitchFamily="18" charset="0"/>
-            </a:endParaRPr>
-          </a:p>
-          <a:p>
-            <a:pPr algn="just"/>
-            <a:endParaRPr lang="en-US" sz="4000" baseline="30000" dirty="0">
-              <a:solidFill>
-                <a:srgbClr val="C00000"/>
-              </a:solidFill>
-              <a:latin typeface="Garamond" panose="02020404030301010803" pitchFamily="18" charset="0"/>
-            </a:endParaRPr>
-          </a:p>
-          <a:p>
-            <a:pPr algn="just"/>
-            <a:endParaRPr lang="en-US" sz="4000" baseline="30000" dirty="0">
-              <a:solidFill>
-                <a:srgbClr val="C00000"/>
-              </a:solidFill>
-              <a:latin typeface="Garamond" panose="02020404030301010803" pitchFamily="18" charset="0"/>
-            </a:endParaRPr>
-          </a:p>
-          <a:p>
-            <a:pPr algn="just"/>
-            <a:endParaRPr lang="en-US" sz="4000" baseline="30000" dirty="0">
-              <a:solidFill>
-                <a:srgbClr val="C00000"/>
-              </a:solidFill>
-              <a:latin typeface="Garamond" panose="02020404030301010803" pitchFamily="18" charset="0"/>
-            </a:endParaRPr>
-          </a:p>
-          <a:p>
-            <a:pPr algn="just"/>
-            <a:endParaRPr lang="en-US" sz="4000" baseline="30000" dirty="0">
-              <a:solidFill>
-                <a:srgbClr val="C00000"/>
-              </a:solidFill>
-              <a:latin typeface="Garamond" panose="02020404030301010803" pitchFamily="18" charset="0"/>
-            </a:endParaRPr>
-          </a:p>
-          <a:p>
-            <a:pPr algn="just"/>
-            <a:endParaRPr lang="en-US" sz="4000" baseline="30000" dirty="0">
-              <a:solidFill>
-                <a:srgbClr val="C00000"/>
-              </a:solidFill>
-              <a:latin typeface="Garamond" panose="02020404030301010803" pitchFamily="18" charset="0"/>
-            </a:endParaRPr>
-          </a:p>
-          <a:p>
-            <a:pPr algn="just"/>
-            <a:endParaRPr lang="en-US" sz="4000" baseline="30000" dirty="0">
-              <a:solidFill>
-                <a:srgbClr val="C00000"/>
-              </a:solidFill>
-              <a:latin typeface="Garamond" panose="02020404030301010803" pitchFamily="18" charset="0"/>
-            </a:endParaRPr>
-          </a:p>
-          <a:p>
-            <a:pPr algn="just"/>
-            <a:endParaRPr lang="en-US" sz="4000" baseline="30000" dirty="0">
-              <a:solidFill>
-                <a:srgbClr val="C00000"/>
-              </a:solidFill>
-              <a:latin typeface="Garamond" panose="02020404030301010803" pitchFamily="18" charset="0"/>
-            </a:endParaRPr>
-          </a:p>
-          <a:p>
-            <a:pPr algn="just"/>
-            <a:endParaRPr lang="en-US" sz="4000" baseline="30000" dirty="0">
-              <a:solidFill>
-                <a:srgbClr val="C00000"/>
-              </a:solidFill>
-              <a:latin typeface="Garamond" panose="02020404030301010803" pitchFamily="18" charset="0"/>
-            </a:endParaRPr>
-          </a:p>
-          <a:p>
-            <a:pPr algn="just"/>
-            <a:endParaRPr lang="en-US" sz="4000" baseline="30000" dirty="0">
-              <a:solidFill>
-                <a:srgbClr val="C00000"/>
-              </a:solidFill>
-              <a:latin typeface="Garamond" panose="02020404030301010803" pitchFamily="18" charset="0"/>
-            </a:endParaRPr>
-          </a:p>
-          <a:p>
-            <a:pPr algn="just"/>
-            <a:endParaRPr lang="en-US" sz="4000" baseline="30000" dirty="0">
-              <a:solidFill>
-                <a:srgbClr val="C00000"/>
-              </a:solidFill>
-              <a:latin typeface="Garamond" panose="02020404030301010803" pitchFamily="18" charset="0"/>
-            </a:endParaRPr>
-          </a:p>
-          <a:p>
-            <a:pPr algn="just"/>
-            <a:endParaRPr lang="en-US" sz="4000" baseline="30000" dirty="0">
-              <a:solidFill>
-                <a:srgbClr val="C00000"/>
-              </a:solidFill>
-              <a:latin typeface="Garamond" panose="02020404030301010803" pitchFamily="18" charset="0"/>
-            </a:endParaRPr>
-          </a:p>
-          <a:p>
-            <a:pPr algn="just"/>
-            <a:endParaRPr lang="en-US" sz="4000" baseline="30000" dirty="0">
-              <a:solidFill>
-                <a:srgbClr val="C00000"/>
-              </a:solidFill>
-              <a:latin typeface="Garamond" panose="02020404030301010803" pitchFamily="18" charset="0"/>
-            </a:endParaRPr>
-          </a:p>
-          <a:p>
-            <a:pPr algn="just"/>
-            <a:endParaRPr lang="en-US" sz="4000" baseline="30000" dirty="0">
-              <a:solidFill>
-                <a:srgbClr val="C00000"/>
-              </a:solidFill>
-              <a:latin typeface="Garamond" panose="02020404030301010803" pitchFamily="18" charset="0"/>
-            </a:endParaRPr>
-          </a:p>
-          <a:p>
-            <a:pPr algn="just"/>
-            <a:endParaRPr lang="en-US" sz="4000" dirty="0">
-              <a:solidFill>
-                <a:srgbClr val="C00000"/>
-              </a:solidFill>
-              <a:latin typeface="Garamond" panose="02020404030301010803" pitchFamily="18" charset="0"/>
-            </a:endParaRPr>
+              <a:t>Some limitations we faced were that we only were able to find one archive with past horoscope data, which limited us to one ”fortune teller’s” horoscopes predictions. </a:t>
+            </a:r>
           </a:p>
         </p:txBody>
       </p:sp>

--- a/Poster.pptx
+++ b/Poster.pptx
@@ -3982,7 +3982,7 @@
         <p:spPr>
           <a:xfrm>
             <a:off x="14406880" y="5881512"/>
-            <a:ext cx="12341014" cy="25740380"/>
+            <a:ext cx="12341014" cy="30254436"/>
           </a:xfrm>
           <a:prstGeom prst="rect">
             <a:avLst/>
@@ -4054,7 +4054,52 @@
               <a:rPr lang="en-US" sz="4000" b="1" dirty="0">
                 <a:latin typeface="Garamond" panose="02020404030301010803" pitchFamily="18" charset="0"/>
               </a:rPr>
-              <a:t>Key Word Generation (JENN) </a:t>
+              <a:t>Key Word Generation </a:t>
+            </a:r>
+            <a:r>
+              <a:rPr lang="en-US" altLang="ko-KR" sz="4000" b="1" dirty="0">
+                <a:latin typeface="Garamond" panose="02020404030301010803" pitchFamily="18" charset="0"/>
+              </a:rPr>
+              <a:t>–</a:t>
+            </a:r>
+            <a:r>
+              <a:rPr lang="ko-KR" altLang="en-US" sz="4000" b="1" dirty="0">
+                <a:latin typeface="Garamond" panose="02020404030301010803" pitchFamily="18" charset="0"/>
+              </a:rPr>
+              <a:t> </a:t>
+            </a:r>
+            <a:r>
+              <a:rPr lang="en-US" altLang="ko-KR" sz="4000" b="1" dirty="0" err="1">
+                <a:latin typeface="Garamond" panose="02020404030301010803" pitchFamily="18" charset="0"/>
+              </a:rPr>
+              <a:t>Pytextrank</a:t>
+            </a:r>
+            <a:r>
+              <a:rPr lang="en-US" altLang="ko-KR" sz="4000" b="1" dirty="0">
+                <a:latin typeface="Garamond" panose="02020404030301010803" pitchFamily="18" charset="0"/>
+              </a:rPr>
+              <a:t>, NLP</a:t>
+            </a:r>
+          </a:p>
+          <a:p>
+            <a:pPr algn="just"/>
+            <a:r>
+              <a:rPr lang="en-US" sz="4000" dirty="0">
+                <a:latin typeface="Garamond" panose="02020404030301010803" pitchFamily="18" charset="0"/>
+              </a:rPr>
+              <a:t>We used two programs to extract keywords. Python implemented </a:t>
+            </a:r>
+            <a:r>
+              <a:rPr lang="en-US" sz="4000" dirty="0" err="1">
+                <a:latin typeface="Garamond" panose="02020404030301010803" pitchFamily="18" charset="0"/>
+              </a:rPr>
+              <a:t>Textrank</a:t>
+            </a:r>
+            <a:r>
+              <a:rPr lang="en-US" sz="4000" dirty="0">
+                <a:latin typeface="Garamond" panose="02020404030301010803" pitchFamily="18" charset="0"/>
+              </a:rPr>
+              <a:t> is a graph based ranking model. We can create a graph based on words and map the relationship between them. After iterating until it converges, we can extract the words with the most importance. NLP keyword method extracts unique words that do not occur as often. Most common keywords were “control”, ”issue”, ”time”, “reason” and “way”. </a:t>
             </a:r>
           </a:p>
           <a:p>
@@ -4092,18 +4137,6 @@
               </a:rPr>
               <a:t>Rshiny</a:t>
             </a:r>
-            <a:r>
-              <a:rPr lang="en-US" sz="4000" b="1" dirty="0">
-                <a:latin typeface="Garamond" panose="02020404030301010803" pitchFamily="18" charset="0"/>
-              </a:rPr>
-              <a:t> (?)</a:t>
-            </a:r>
-            <a:endParaRPr lang="en-US" sz="4000" b="1" baseline="30000" dirty="0">
-              <a:latin typeface="Garamond" panose="02020404030301010803" pitchFamily="18" charset="0"/>
-            </a:endParaRPr>
-          </a:p>
-          <a:p>
-            <a:pPr algn="just"/>
             <a:endParaRPr lang="en-US" sz="4000" baseline="30000" dirty="0">
               <a:latin typeface="Garamond" panose="02020404030301010803" pitchFamily="18" charset="0"/>
             </a:endParaRPr>
@@ -4322,7 +4355,7 @@
         </p:nvSpPr>
         <p:spPr>
           <a:xfrm>
-            <a:off x="14142720" y="22505330"/>
+            <a:off x="14173200" y="24684769"/>
             <a:ext cx="12808374" cy="707886"/>
           </a:xfrm>
           <a:prstGeom prst="rect">
@@ -4366,8 +4399,8 @@
         </p:nvSpPr>
         <p:spPr>
           <a:xfrm>
-            <a:off x="14406880" y="23434417"/>
-            <a:ext cx="12341014" cy="3785652"/>
+            <a:off x="14406880" y="25831800"/>
+            <a:ext cx="12341014" cy="707886"/>
           </a:xfrm>
           <a:prstGeom prst="rect">
             <a:avLst/>
@@ -4381,29 +4414,93 @@
           <a:lstStyle/>
           <a:p>
             <a:pPr algn="just"/>
-            <a:endParaRPr lang="en-US" sz="4000" dirty="0">
-              <a:latin typeface="Garamond" panose="02020404030301010803" pitchFamily="18" charset="0"/>
-            </a:endParaRPr>
-          </a:p>
-          <a:p>
-            <a:pPr algn="just"/>
-            <a:endParaRPr lang="en-US" sz="4000" dirty="0">
-              <a:latin typeface="Garamond" panose="02020404030301010803" pitchFamily="18" charset="0"/>
-            </a:endParaRPr>
-          </a:p>
-          <a:p>
-            <a:pPr algn="just"/>
-            <a:endParaRPr lang="en-US" sz="4000" dirty="0">
-              <a:latin typeface="Garamond" panose="02020404030301010803" pitchFamily="18" charset="0"/>
-            </a:endParaRPr>
-          </a:p>
-          <a:p>
-            <a:pPr algn="just"/>
             <a:r>
               <a:rPr lang="en-US" sz="4000" dirty="0">
                 <a:latin typeface="Garamond" panose="02020404030301010803" pitchFamily="18" charset="0"/>
               </a:rPr>
-              <a:t>Some limitations we faced were that we only were able to find one archive with past horoscope data, which limited us to one ”fortune teller’s” horoscopes predictions. </a:t>
+              <a:t>INSERT FEW TEXTS AND IMAGES</a:t>
+            </a:r>
+          </a:p>
+        </p:txBody>
+      </p:sp>
+      <p:sp>
+        <p:nvSpPr>
+          <p:cNvPr id="19" name="TextBox 18">
+            <a:extLst>
+              <a:ext uri="{FF2B5EF4-FFF2-40B4-BE49-F238E27FC236}">
+                <a16:creationId xmlns:a16="http://schemas.microsoft.com/office/drawing/2014/main" id="{47D88319-6E88-C441-9DF7-CAC249833450}"/>
+              </a:ext>
+            </a:extLst>
+          </p:cNvPr>
+          <p:cNvSpPr txBox="1"/>
+          <p:nvPr/>
+        </p:nvSpPr>
+        <p:spPr>
+          <a:xfrm>
+            <a:off x="447039" y="28418424"/>
+            <a:ext cx="12808374" cy="707886"/>
+          </a:xfrm>
+          <a:prstGeom prst="rect">
+            <a:avLst/>
+          </a:prstGeom>
+          <a:solidFill>
+            <a:schemeClr val="tx1"/>
+          </a:solidFill>
+        </p:spPr>
+        <p:txBody>
+          <a:bodyPr wrap="square" rtlCol="0">
+            <a:spAutoFit/>
+          </a:bodyPr>
+          <a:lstStyle/>
+          <a:p>
+            <a:pPr algn="ctr"/>
+            <a:r>
+              <a:rPr lang="en-US" sz="4000" dirty="0">
+                <a:solidFill>
+                  <a:schemeClr val="bg1"/>
+                </a:solidFill>
+                <a:latin typeface="Didot" panose="02000503000000020003" pitchFamily="2" charset="-79"/>
+                <a:cs typeface="Didot" panose="02000503000000020003" pitchFamily="2" charset="-79"/>
+              </a:rPr>
+              <a:t>Limitations</a:t>
+            </a:r>
+          </a:p>
+        </p:txBody>
+      </p:sp>
+      <p:sp>
+        <p:nvSpPr>
+          <p:cNvPr id="20" name="TextBox 19">
+            <a:extLst>
+              <a:ext uri="{FF2B5EF4-FFF2-40B4-BE49-F238E27FC236}">
+                <a16:creationId xmlns:a16="http://schemas.microsoft.com/office/drawing/2014/main" id="{1C714071-B607-504C-9988-EDFC13DE3CD3}"/>
+              </a:ext>
+            </a:extLst>
+          </p:cNvPr>
+          <p:cNvSpPr txBox="1"/>
+          <p:nvPr/>
+        </p:nvSpPr>
+        <p:spPr>
+          <a:xfrm>
+            <a:off x="650240" y="29569891"/>
+            <a:ext cx="12341014" cy="2554545"/>
+          </a:xfrm>
+          <a:prstGeom prst="rect">
+            <a:avLst/>
+          </a:prstGeom>
+          <a:noFill/>
+        </p:spPr>
+        <p:txBody>
+          <a:bodyPr wrap="square" rtlCol="0">
+            <a:spAutoFit/>
+          </a:bodyPr>
+          <a:lstStyle/>
+          <a:p>
+            <a:pPr algn="just"/>
+            <a:r>
+              <a:rPr lang="en-US" sz="4000" dirty="0">
+                <a:latin typeface="Garamond" panose="02020404030301010803" pitchFamily="18" charset="0"/>
+              </a:rPr>
+              <a:t>Some limitations we faced were that we only were able to find one archive with past horoscope data, which limited us to one ”fortune teller’s” horoscopes predictions. Also due to the limit length of text, a lot of extracted keywords were similar. </a:t>
             </a:r>
           </a:p>
         </p:txBody>

--- a/Poster.pptx
+++ b/Poster.pptx
@@ -2984,6 +2984,44 @@
       </p:grpSpPr>
       <p:sp>
         <p:nvSpPr>
+          <p:cNvPr id="26" name="TextBox 25">
+            <a:extLst>
+              <a:ext uri="{FF2B5EF4-FFF2-40B4-BE49-F238E27FC236}">
+                <a16:creationId xmlns:a16="http://schemas.microsoft.com/office/drawing/2014/main" id="{0F662E55-4641-024D-B624-2FFF01856211}"/>
+              </a:ext>
+            </a:extLst>
+          </p:cNvPr>
+          <p:cNvSpPr txBox="1"/>
+          <p:nvPr/>
+        </p:nvSpPr>
+        <p:spPr>
+          <a:xfrm>
+            <a:off x="552872" y="32339728"/>
+            <a:ext cx="10520680" cy="3170099"/>
+          </a:xfrm>
+          <a:prstGeom prst="rect">
+            <a:avLst/>
+          </a:prstGeom>
+          <a:noFill/>
+        </p:spPr>
+        <p:txBody>
+          <a:bodyPr wrap="square" rtlCol="0">
+            <a:spAutoFit/>
+          </a:bodyPr>
+          <a:lstStyle/>
+          <a:p>
+            <a:pPr algn="just"/>
+            <a:r>
+              <a:rPr lang="en-US" sz="4000" dirty="0">
+                <a:latin typeface="Garamond" panose="02020404030301010803" pitchFamily="18" charset="0"/>
+              </a:rPr>
+              <a:t>Some limitations we faced were that we only were able to find one archive with past horoscope data, which limited us to one ”fortune teller’s” horoscopes predictions. Also due to the limit length of text, a lot of extracted keywords were similar. </a:t>
+            </a:r>
+          </a:p>
+        </p:txBody>
+      </p:sp>
+      <p:sp>
+        <p:nvSpPr>
           <p:cNvPr id="7" name="Rectangle 6">
             <a:extLst>
               <a:ext uri="{FF2B5EF4-FFF2-40B4-BE49-F238E27FC236}">
@@ -3228,7 +3266,7 @@
         <p:spPr>
           <a:xfrm>
             <a:off x="416560" y="4947848"/>
-            <a:ext cx="12808374" cy="707886"/>
+            <a:ext cx="10919103" cy="707886"/>
           </a:xfrm>
           <a:prstGeom prst="rect">
             <a:avLst/>
@@ -3272,7 +3310,7 @@
         <p:spPr>
           <a:xfrm>
             <a:off x="680720" y="5873142"/>
-            <a:ext cx="12341014" cy="14865608"/>
+            <a:ext cx="10520680" cy="16712267"/>
           </a:xfrm>
           <a:prstGeom prst="rect">
             <a:avLst/>
@@ -3329,19 +3367,7 @@
               <a:rPr lang="en-US" sz="4000" dirty="0">
                 <a:latin typeface="Garamond" panose="02020404030301010803" pitchFamily="18" charset="0"/>
               </a:rPr>
-              <a:t>Generally, these 12 horoscope signs are described as experiencing different personas and life events when the cosmos align a certain way. The method of “fortune-telling” has become very trendy, with daily horoscope </a:t>
-            </a:r>
-            <a:r>
-              <a:rPr lang="en-US" sz="4000" dirty="0" err="1">
-                <a:latin typeface="Garamond" panose="02020404030301010803" pitchFamily="18" charset="0"/>
-              </a:rPr>
-              <a:t>featurexs</a:t>
-            </a:r>
-            <a:r>
-              <a:rPr lang="en-US" sz="4000" dirty="0">
-                <a:latin typeface="Garamond" panose="02020404030301010803" pitchFamily="18" charset="0"/>
-              </a:rPr>
-              <a:t> on platforms such as newspapers, Facebook, and Snapchat.</a:t>
+              <a:t>Generally, these 12 horoscope signs are described as experiencing different personas and life events when the cosmos align a certain way. The method of “fortune-telling” has become very trendy, with daily horoscope features on platforms such as newspapers, Facebook, and Snapchat.</a:t>
             </a:r>
           </a:p>
           <a:p>
@@ -3395,13 +3421,13 @@
           <p:nvPr>
             <p:extLst>
               <p:ext uri="{D42A27DB-BD31-4B8C-83A1-F6EECF244321}">
-                <p14:modId xmlns:p14="http://schemas.microsoft.com/office/powerpoint/2010/main" val="985527324"/>
+                <p14:modId xmlns:p14="http://schemas.microsoft.com/office/powerpoint/2010/main" val="1800460570"/>
               </p:ext>
             </p:extLst>
           </p:nvPr>
         </p:nvGraphicFramePr>
         <p:xfrm>
-          <a:off x="2866814" y="8592253"/>
+          <a:off x="1828800" y="8592253"/>
           <a:ext cx="7968825" cy="2532947"/>
         </p:xfrm>
         <a:graphic>
@@ -3645,8 +3671,8 @@
         </p:nvSpPr>
         <p:spPr>
           <a:xfrm>
-            <a:off x="416560" y="21103828"/>
-            <a:ext cx="12808374" cy="707886"/>
+            <a:off x="416560" y="22949938"/>
+            <a:ext cx="10919103" cy="707886"/>
           </a:xfrm>
           <a:prstGeom prst="rect">
             <a:avLst/>
@@ -3689,8 +3715,8 @@
         </p:nvSpPr>
         <p:spPr>
           <a:xfrm>
-            <a:off x="680720" y="22029122"/>
-            <a:ext cx="12341014" cy="5940088"/>
+            <a:off x="680720" y="23875232"/>
+            <a:ext cx="10520680" cy="7171194"/>
           </a:xfrm>
           <a:prstGeom prst="rect">
             <a:avLst/>
@@ -3747,16 +3773,7 @@
               <a:rPr lang="en-US" sz="4000" i="1" dirty="0">
                 <a:latin typeface="Garamond" panose="02020404030301010803" pitchFamily="18" charset="0"/>
               </a:rPr>
-              <a:t>You consider helping others to guide a large part of what you do: </a:t>
-            </a:r>
-          </a:p>
-          <a:p>
-            <a:pPr algn="ctr"/>
-            <a:r>
-              <a:rPr lang="en-US" sz="4000" i="1" dirty="0">
-                <a:latin typeface="Garamond" panose="02020404030301010803" pitchFamily="18" charset="0"/>
-              </a:rPr>
-              <a:t>you think it is important to take care of the people around you</a:t>
+              <a:t>You consider helping others to guide a large part of what you do: you think it is important to take care of the people around you</a:t>
             </a:r>
             <a:r>
               <a:rPr lang="en-US" sz="4000" dirty="0">
@@ -3787,8 +3804,8 @@
         </p:nvSpPr>
         <p:spPr>
           <a:xfrm>
-            <a:off x="14142720" y="33099375"/>
-            <a:ext cx="12808374" cy="707886"/>
+            <a:off x="11685791" y="33375600"/>
+            <a:ext cx="15265304" cy="707886"/>
           </a:xfrm>
           <a:prstGeom prst="rect">
             <a:avLst/>
@@ -3831,8 +3848,8 @@
         </p:nvSpPr>
         <p:spPr>
           <a:xfrm>
-            <a:off x="14406880" y="34024669"/>
-            <a:ext cx="12341014" cy="2308324"/>
+            <a:off x="12039600" y="34300894"/>
+            <a:ext cx="14708294" cy="1200329"/>
           </a:xfrm>
           <a:prstGeom prst="rect">
             <a:avLst/>
@@ -3855,8 +3872,11 @@
                 </a:solidFill>
                 <a:latin typeface="Garamond" panose="02020404030301010803" pitchFamily="18" charset="0"/>
               </a:rPr>
-              <a:t>[1] </a:t>
-            </a:r>
+              <a:t>[1] https://medium.com/@samim/a-i-astrology-804cbec95968</a:t>
+            </a:r>
+          </a:p>
+          <a:p>
+            <a:pPr algn="just"/>
             <a:r>
               <a:rPr lang="en-US" sz="3600" dirty="0">
                 <a:solidFill>
@@ -3865,61 +3885,9 @@
                   </a:schemeClr>
                 </a:solidFill>
                 <a:latin typeface="Garamond" panose="02020404030301010803" pitchFamily="18" charset="0"/>
-                <a:hlinkClick r:id="rId2"/>
-              </a:rPr>
-              <a:t>https://medium.com/@samim/a-i-astrology-804cbec95968</a:t>
-            </a:r>
-            <a:endParaRPr lang="en-US" sz="3600" dirty="0">
-              <a:solidFill>
-                <a:schemeClr val="bg1">
-                  <a:lumMod val="50000"/>
-                </a:schemeClr>
-              </a:solidFill>
-              <a:latin typeface="Garamond" panose="02020404030301010803" pitchFamily="18" charset="0"/>
-            </a:endParaRPr>
-          </a:p>
-          <a:p>
-            <a:pPr algn="just"/>
-            <a:endParaRPr lang="en-US" sz="3600" dirty="0">
-              <a:solidFill>
-                <a:schemeClr val="bg1">
-                  <a:lumMod val="50000"/>
-                </a:schemeClr>
-              </a:solidFill>
-              <a:latin typeface="Garamond" panose="02020404030301010803" pitchFamily="18" charset="0"/>
-            </a:endParaRPr>
-          </a:p>
-          <a:p>
-            <a:pPr algn="just"/>
-            <a:r>
-              <a:rPr lang="en-US" sz="3600" dirty="0">
-                <a:solidFill>
-                  <a:schemeClr val="bg1">
-                    <a:lumMod val="50000"/>
-                  </a:schemeClr>
-                </a:solidFill>
-                <a:latin typeface="Garamond" panose="02020404030301010803" pitchFamily="18" charset="0"/>
-              </a:rPr>
-              <a:t>[2] </a:t>
-            </a:r>
-            <a:r>
-              <a:rPr lang="en-US" sz="3600" dirty="0">
-                <a:hlinkClick r:id="rId3"/>
-              </a:rPr>
-              <a:t>https://sagittarius.com/archive/</a:t>
-            </a:r>
-            <a:endParaRPr lang="en-US" sz="3600" dirty="0"/>
-          </a:p>
-          <a:p>
-            <a:pPr algn="just"/>
-            <a:endParaRPr lang="en-US" sz="3600" dirty="0">
-              <a:solidFill>
-                <a:schemeClr val="bg1">
-                  <a:lumMod val="50000"/>
-                </a:schemeClr>
-              </a:solidFill>
-              <a:latin typeface="Garamond" panose="02020404030301010803" pitchFamily="18" charset="0"/>
-            </a:endParaRPr>
+              </a:rPr>
+              <a:t>[2] https://sagittarius.com/archive/</a:t>
+            </a:r>
           </a:p>
         </p:txBody>
       </p:sp>
@@ -3937,8 +3905,8 @@
         </p:nvSpPr>
         <p:spPr>
           <a:xfrm>
-            <a:off x="14142720" y="4952425"/>
-            <a:ext cx="12808374" cy="707886"/>
+            <a:off x="11685791" y="4952425"/>
+            <a:ext cx="15265304" cy="707886"/>
           </a:xfrm>
           <a:prstGeom prst="rect">
             <a:avLst/>
@@ -3981,8 +3949,8 @@
         </p:nvSpPr>
         <p:spPr>
           <a:xfrm>
-            <a:off x="14406880" y="5881512"/>
-            <a:ext cx="12341014" cy="30254436"/>
+            <a:off x="12039600" y="5881512"/>
+            <a:ext cx="14708294" cy="18558927"/>
           </a:xfrm>
           <a:prstGeom prst="rect">
             <a:avLst/>
@@ -4000,13 +3968,13 @@
               <a:rPr lang="en-US" sz="4000" b="1" dirty="0">
                 <a:latin typeface="Garamond" panose="02020404030301010803" pitchFamily="18" charset="0"/>
               </a:rPr>
-              <a:t>Data Collection </a:t>
+              <a:t>Data Collection</a:t>
             </a:r>
             <a:r>
               <a:rPr lang="en-US" sz="4000" dirty="0">
                 <a:latin typeface="Garamond" panose="02020404030301010803" pitchFamily="18" charset="0"/>
               </a:rPr>
-              <a:t>We gathered roughly 40k lines of horoscopes from </a:t>
+              <a:t> – We gathered roughly 40k lines of horoscopes from </a:t>
             </a:r>
             <a:r>
               <a:rPr lang="en-US" sz="4000" dirty="0" err="1">
@@ -4018,324 +3986,219 @@
               <a:rPr lang="en-US" sz="4000" dirty="0">
                 <a:latin typeface="Garamond" panose="02020404030301010803" pitchFamily="18" charset="0"/>
               </a:rPr>
-              <a:t>, labeled with the corresponding horoscope sign and date. We also cleaned out quotation marks, as start and end quotation marks tended to get confusing for the algorithm to learn. </a:t>
+              <a:t>, labeled with the corresponding horoscope sign and date. We also cleaned out quotation marks, as start and end quotation marks tended to get confusing for the algorithm to learn.</a:t>
             </a:r>
           </a:p>
           <a:p>
             <a:pPr algn="just"/>
-            <a:r>
-              <a:rPr lang="en-US" sz="4000" b="1" dirty="0">
-                <a:latin typeface="Garamond" panose="02020404030301010803" pitchFamily="18" charset="0"/>
-              </a:rPr>
-              <a:t>RNN Sequence Generation </a:t>
-            </a:r>
-            <a:r>
-              <a:rPr lang="en-US" sz="4000" dirty="0">
-                <a:latin typeface="Garamond" panose="02020404030301010803" pitchFamily="18" charset="0"/>
-              </a:rPr>
-              <a:t>Next, we used a </a:t>
-            </a:r>
-            <a:r>
-              <a:rPr lang="en-US" sz="4000" dirty="0" err="1">
-                <a:latin typeface="Garamond" panose="02020404030301010803" pitchFamily="18" charset="0"/>
-              </a:rPr>
-              <a:t>Pytorch</a:t>
-            </a:r>
-            <a:r>
-              <a:rPr lang="en-US" sz="4000" dirty="0">
-                <a:latin typeface="Garamond" panose="02020404030301010803" pitchFamily="18" charset="0"/>
-              </a:rPr>
-              <a:t> implementation of Conditional RNN Sequence Generation, conditioning on the horoscope type and feeding in the lyrics starting with day of week into the model. We played around with the temperature, and found that a temperature between 0.8~1.0 worked best, so we generated 100 random horoscopes with a random temperature between 0.8 and 1.0, for each day of week and horoscope sign. </a:t>
-            </a:r>
-          </a:p>
-          <a:p>
-            <a:pPr algn="just"/>
-            <a:r>
-              <a:rPr lang="en-US" sz="4000" b="1" dirty="0">
-                <a:latin typeface="Garamond" panose="02020404030301010803" pitchFamily="18" charset="0"/>
-              </a:rPr>
-              <a:t>Key Word Generation </a:t>
-            </a:r>
-            <a:r>
-              <a:rPr lang="en-US" altLang="ko-KR" sz="4000" b="1" dirty="0">
-                <a:latin typeface="Garamond" panose="02020404030301010803" pitchFamily="18" charset="0"/>
-              </a:rPr>
-              <a:t>–</a:t>
-            </a:r>
-            <a:r>
-              <a:rPr lang="ko-KR" altLang="en-US" sz="4000" b="1" dirty="0">
-                <a:latin typeface="Garamond" panose="02020404030301010803" pitchFamily="18" charset="0"/>
-              </a:rPr>
-              <a:t> </a:t>
-            </a:r>
-            <a:r>
-              <a:rPr lang="en-US" altLang="ko-KR" sz="4000" b="1" dirty="0" err="1">
-                <a:latin typeface="Garamond" panose="02020404030301010803" pitchFamily="18" charset="0"/>
-              </a:rPr>
-              <a:t>Pytextrank</a:t>
-            </a:r>
-            <a:r>
-              <a:rPr lang="en-US" altLang="ko-KR" sz="4000" b="1" dirty="0">
-                <a:latin typeface="Garamond" panose="02020404030301010803" pitchFamily="18" charset="0"/>
-              </a:rPr>
-              <a:t>, NLP</a:t>
-            </a:r>
-          </a:p>
-          <a:p>
-            <a:pPr algn="just"/>
-            <a:r>
-              <a:rPr lang="en-US" sz="4000" dirty="0">
-                <a:latin typeface="Garamond" panose="02020404030301010803" pitchFamily="18" charset="0"/>
-              </a:rPr>
-              <a:t>We used two programs to extract keywords. Python implemented </a:t>
-            </a:r>
-            <a:r>
-              <a:rPr lang="en-US" sz="4000" dirty="0" err="1">
-                <a:latin typeface="Garamond" panose="02020404030301010803" pitchFamily="18" charset="0"/>
-              </a:rPr>
-              <a:t>Textrank</a:t>
-            </a:r>
-            <a:r>
-              <a:rPr lang="en-US" sz="4000" dirty="0">
-                <a:latin typeface="Garamond" panose="02020404030301010803" pitchFamily="18" charset="0"/>
-              </a:rPr>
-              <a:t> is a graph based ranking model. We can create a graph based on words and map the relationship between them. After iterating until it converges, we can extract the words with the most importance. NLP keyword method extracts unique words that do not occur as often. Most common keywords were “control”, ”issue”, ”time”, “reason” and “way”. </a:t>
-            </a:r>
-          </a:p>
-          <a:p>
-            <a:pPr algn="just"/>
-            <a:r>
-              <a:rPr lang="en-US" sz="4000" b="1" dirty="0" err="1">
-                <a:latin typeface="Garamond" panose="02020404030301010803" pitchFamily="18" charset="0"/>
-              </a:rPr>
-              <a:t>ChristmAIs</a:t>
-            </a:r>
-            <a:r>
-              <a:rPr lang="en-US" sz="4000" dirty="0">
-                <a:latin typeface="Garamond" panose="02020404030301010803" pitchFamily="18" charset="0"/>
-              </a:rPr>
-              <a:t> This is a text-to-abstract art generation algorithm. We only used part of this program (text-to-sketch) to first find the most similar Quick Draw class based on the key word output and then applying </a:t>
-            </a:r>
-            <a:r>
-              <a:rPr lang="en-US" sz="4000" dirty="0" err="1">
-                <a:latin typeface="Garamond" panose="02020404030301010803" pitchFamily="18" charset="0"/>
-              </a:rPr>
-              <a:t>SketchRNN</a:t>
-            </a:r>
-            <a:r>
-              <a:rPr lang="en-US" sz="4000" dirty="0">
-                <a:latin typeface="Garamond" panose="02020404030301010803" pitchFamily="18" charset="0"/>
-              </a:rPr>
-              <a:t>. </a:t>
-            </a:r>
-          </a:p>
-          <a:p>
-            <a:pPr algn="just"/>
-            <a:r>
-              <a:rPr lang="en-US" sz="4000" b="1" dirty="0" err="1">
-                <a:latin typeface="Garamond" panose="02020404030301010803" pitchFamily="18" charset="0"/>
-              </a:rPr>
-              <a:t>Rshiny</a:t>
-            </a:r>
-            <a:endParaRPr lang="en-US" sz="4000" baseline="30000" dirty="0">
+            <a:endParaRPr lang="en-US" sz="2000" dirty="0">
               <a:latin typeface="Garamond" panose="02020404030301010803" pitchFamily="18" charset="0"/>
             </a:endParaRPr>
           </a:p>
           <a:p>
             <a:pPr algn="just"/>
-            <a:endParaRPr lang="en-US" sz="4000" baseline="30000" dirty="0">
+            <a:r>
+              <a:rPr lang="en-US" sz="4000" b="1" dirty="0">
+                <a:latin typeface="Garamond" panose="02020404030301010803" pitchFamily="18" charset="0"/>
+              </a:rPr>
+              <a:t>RNN Sequence Generation </a:t>
+            </a:r>
+            <a:r>
+              <a:rPr lang="en-US" sz="4000" dirty="0">
+                <a:latin typeface="Garamond" panose="02020404030301010803" pitchFamily="18" charset="0"/>
+              </a:rPr>
+              <a:t>– Next, we used a </a:t>
+            </a:r>
+            <a:r>
+              <a:rPr lang="en-US" sz="4000" dirty="0" err="1">
+                <a:latin typeface="Garamond" panose="02020404030301010803" pitchFamily="18" charset="0"/>
+              </a:rPr>
+              <a:t>Pytorch</a:t>
+            </a:r>
+            <a:r>
+              <a:rPr lang="en-US" sz="4000" dirty="0">
+                <a:latin typeface="Garamond" panose="02020404030301010803" pitchFamily="18" charset="0"/>
+              </a:rPr>
+              <a:t> implementation of Conditional RNN Sequence Generation, conditioning on the horoscope type and feeding “lyrics” into the model, starting with day of week. We played around with the temperature and found that a temperature between 0.8~1.0 worked best, so we generated 100 random horoscopes with a random temperature between 0.8 and 1.0, for each day of week and horoscope sign. </a:t>
+            </a:r>
+          </a:p>
+          <a:p>
+            <a:pPr algn="just"/>
+            <a:endParaRPr lang="en-US" sz="2000" dirty="0">
               <a:latin typeface="Garamond" panose="02020404030301010803" pitchFamily="18" charset="0"/>
             </a:endParaRPr>
           </a:p>
           <a:p>
             <a:pPr algn="just"/>
-            <a:endParaRPr lang="en-US" sz="4000" baseline="30000" dirty="0">
+            <a:r>
+              <a:rPr lang="en-US" sz="4000" b="1" dirty="0">
+                <a:latin typeface="Garamond" panose="02020404030301010803" pitchFamily="18" charset="0"/>
+              </a:rPr>
+              <a:t>Key Word Generation</a:t>
+            </a:r>
+            <a:r>
+              <a:rPr lang="ko-KR" altLang="en-US" sz="4000" b="1" dirty="0">
+                <a:latin typeface="Garamond" panose="02020404030301010803" pitchFamily="18" charset="0"/>
+              </a:rPr>
+              <a:t> </a:t>
+            </a:r>
+            <a:r>
+              <a:rPr lang="en-US" altLang="ko-KR" sz="4000" b="1" dirty="0">
+                <a:latin typeface="Garamond" panose="02020404030301010803" pitchFamily="18" charset="0"/>
+              </a:rPr>
+              <a:t>(</a:t>
+            </a:r>
+            <a:r>
+              <a:rPr lang="en-US" altLang="ko-KR" sz="4000" b="1" dirty="0" err="1">
+                <a:latin typeface="Garamond" panose="02020404030301010803" pitchFamily="18" charset="0"/>
+              </a:rPr>
+              <a:t>Pytextrank</a:t>
+            </a:r>
+            <a:r>
+              <a:rPr lang="en-US" altLang="ko-KR" sz="4000" b="1" dirty="0">
+                <a:latin typeface="Garamond" panose="02020404030301010803" pitchFamily="18" charset="0"/>
+              </a:rPr>
+              <a:t>, NLP)</a:t>
+            </a:r>
+            <a:r>
+              <a:rPr lang="en-US" altLang="ko-KR" sz="4000" dirty="0">
+                <a:latin typeface="Garamond" panose="02020404030301010803" pitchFamily="18" charset="0"/>
+              </a:rPr>
+              <a:t> – </a:t>
+            </a:r>
+            <a:r>
+              <a:rPr lang="en-US" sz="4000" dirty="0">
+                <a:latin typeface="Garamond" panose="02020404030301010803" pitchFamily="18" charset="0"/>
+              </a:rPr>
+              <a:t>We used two programs to extract keywords. Python implemented </a:t>
+            </a:r>
+            <a:r>
+              <a:rPr lang="en-US" sz="4000" dirty="0" err="1">
+                <a:latin typeface="Garamond" panose="02020404030301010803" pitchFamily="18" charset="0"/>
+              </a:rPr>
+              <a:t>Textrank</a:t>
+            </a:r>
+            <a:r>
+              <a:rPr lang="en-US" sz="4000" dirty="0">
+                <a:latin typeface="Garamond" panose="02020404030301010803" pitchFamily="18" charset="0"/>
+              </a:rPr>
+              <a:t> is a graph based ranking model. We can create a graph based on words and map the relationship between them. After iterating until the model converged, we were able to extract words deemed to be most important. NLP keyword method selects unique words that do not occur as often. Common keywords were </a:t>
+            </a:r>
+            <a:r>
+              <a:rPr lang="en-US" sz="4000" i="1" dirty="0">
+                <a:latin typeface="Garamond" panose="02020404030301010803" pitchFamily="18" charset="0"/>
+              </a:rPr>
+              <a:t>control</a:t>
+            </a:r>
+            <a:r>
+              <a:rPr lang="en-US" sz="4000" dirty="0">
+                <a:latin typeface="Garamond" panose="02020404030301010803" pitchFamily="18" charset="0"/>
+              </a:rPr>
+              <a:t>, </a:t>
+            </a:r>
+            <a:r>
+              <a:rPr lang="en-US" sz="4000" i="1" dirty="0">
+                <a:latin typeface="Garamond" panose="02020404030301010803" pitchFamily="18" charset="0"/>
+              </a:rPr>
+              <a:t>issue</a:t>
+            </a:r>
+            <a:r>
+              <a:rPr lang="en-US" sz="4000" dirty="0">
+                <a:latin typeface="Garamond" panose="02020404030301010803" pitchFamily="18" charset="0"/>
+              </a:rPr>
+              <a:t>, </a:t>
+            </a:r>
+            <a:r>
+              <a:rPr lang="en-US" sz="4000" i="1" dirty="0">
+                <a:latin typeface="Garamond" panose="02020404030301010803" pitchFamily="18" charset="0"/>
+              </a:rPr>
+              <a:t>time</a:t>
+            </a:r>
+            <a:r>
+              <a:rPr lang="en-US" sz="4000" dirty="0">
+                <a:latin typeface="Garamond" panose="02020404030301010803" pitchFamily="18" charset="0"/>
+              </a:rPr>
+              <a:t>, </a:t>
+            </a:r>
+            <a:r>
+              <a:rPr lang="en-US" sz="4000" i="1" dirty="0">
+                <a:latin typeface="Garamond" panose="02020404030301010803" pitchFamily="18" charset="0"/>
+              </a:rPr>
+              <a:t>reason</a:t>
+            </a:r>
+            <a:r>
+              <a:rPr lang="en-US" sz="4000" dirty="0">
+                <a:latin typeface="Garamond" panose="02020404030301010803" pitchFamily="18" charset="0"/>
+              </a:rPr>
+              <a:t> and </a:t>
+            </a:r>
+            <a:r>
+              <a:rPr lang="en-US" sz="4000" i="1" dirty="0">
+                <a:latin typeface="Garamond" panose="02020404030301010803" pitchFamily="18" charset="0"/>
+              </a:rPr>
+              <a:t>way</a:t>
+            </a:r>
+            <a:r>
+              <a:rPr lang="en-US" sz="4000" dirty="0">
+                <a:latin typeface="Garamond" panose="02020404030301010803" pitchFamily="18" charset="0"/>
+              </a:rPr>
+              <a:t>.</a:t>
+            </a:r>
+          </a:p>
+          <a:p>
+            <a:pPr algn="just"/>
+            <a:endParaRPr lang="en-US" sz="2000" dirty="0">
               <a:latin typeface="Garamond" panose="02020404030301010803" pitchFamily="18" charset="0"/>
             </a:endParaRPr>
           </a:p>
           <a:p>
             <a:pPr algn="just"/>
-            <a:endParaRPr lang="en-US" sz="4000" baseline="30000" dirty="0">
+            <a:r>
+              <a:rPr lang="en-US" sz="4000" b="1" dirty="0" err="1">
+                <a:latin typeface="Garamond" panose="02020404030301010803" pitchFamily="18" charset="0"/>
+              </a:rPr>
+              <a:t>ChristmAIs</a:t>
+            </a:r>
+            <a:r>
+              <a:rPr lang="en-US" sz="4000" dirty="0">
+                <a:latin typeface="Garamond" panose="02020404030301010803" pitchFamily="18" charset="0"/>
+              </a:rPr>
+              <a:t> – This is a text-to-abstract art generation algorithm. We only used part of the program (text-to-sketch) to produce the most similar Quick Draw class based on the key word output and then applying </a:t>
+            </a:r>
+            <a:r>
+              <a:rPr lang="en-US" sz="4000" dirty="0" err="1">
+                <a:latin typeface="Garamond" panose="02020404030301010803" pitchFamily="18" charset="0"/>
+              </a:rPr>
+              <a:t>SketchRNN</a:t>
+            </a:r>
+            <a:r>
+              <a:rPr lang="en-US" sz="4000" dirty="0">
+                <a:latin typeface="Garamond" panose="02020404030301010803" pitchFamily="18" charset="0"/>
+              </a:rPr>
+              <a:t>.</a:t>
+            </a:r>
+          </a:p>
+          <a:p>
+            <a:pPr algn="just"/>
+            <a:endParaRPr lang="en-US" sz="2000" dirty="0">
               <a:latin typeface="Garamond" panose="02020404030301010803" pitchFamily="18" charset="0"/>
             </a:endParaRPr>
           </a:p>
           <a:p>
             <a:pPr algn="just"/>
+            <a:r>
+              <a:rPr lang="en-US" sz="4000" b="1" dirty="0">
+                <a:latin typeface="Garamond" panose="02020404030301010803" pitchFamily="18" charset="0"/>
+              </a:rPr>
+              <a:t>RShiny</a:t>
+            </a:r>
+            <a:r>
+              <a:rPr lang="en-US" sz="4000" dirty="0">
+                <a:latin typeface="Garamond" panose="02020404030301010803" pitchFamily="18" charset="0"/>
+              </a:rPr>
+              <a:t> – In creating a more immersive experiencing for our audience, we decided to use an interactive platform. By loading our output data into RStudio, we were able to build a RShiny application that takes an individual’s birthday and the date, and randomly generates a horoscope-image pairing.</a:t>
+            </a:r>
             <a:endParaRPr lang="en-US" sz="4000" baseline="30000" dirty="0">
-              <a:latin typeface="Garamond" panose="02020404030301010803" pitchFamily="18" charset="0"/>
-            </a:endParaRPr>
-          </a:p>
-          <a:p>
-            <a:pPr algn="just"/>
-            <a:endParaRPr lang="en-US" sz="4000" baseline="30000" dirty="0">
-              <a:latin typeface="Garamond" panose="02020404030301010803" pitchFamily="18" charset="0"/>
-            </a:endParaRPr>
-          </a:p>
-          <a:p>
-            <a:pPr algn="just"/>
-            <a:endParaRPr lang="en-US" sz="4000" baseline="30000" dirty="0">
-              <a:latin typeface="Garamond" panose="02020404030301010803" pitchFamily="18" charset="0"/>
-            </a:endParaRPr>
-          </a:p>
-          <a:p>
-            <a:pPr algn="just"/>
-            <a:endParaRPr lang="en-US" sz="4000" baseline="30000" dirty="0">
-              <a:latin typeface="Garamond" panose="02020404030301010803" pitchFamily="18" charset="0"/>
-            </a:endParaRPr>
-          </a:p>
-          <a:p>
-            <a:pPr algn="just"/>
-            <a:endParaRPr lang="en-US" sz="4000" baseline="30000" dirty="0">
-              <a:latin typeface="Garamond" panose="02020404030301010803" pitchFamily="18" charset="0"/>
-            </a:endParaRPr>
-          </a:p>
-          <a:p>
-            <a:pPr algn="just"/>
-            <a:endParaRPr lang="en-US" sz="4000" baseline="30000" dirty="0">
-              <a:latin typeface="Garamond" panose="02020404030301010803" pitchFamily="18" charset="0"/>
-            </a:endParaRPr>
-          </a:p>
-          <a:p>
-            <a:pPr algn="just"/>
-            <a:endParaRPr lang="en-US" sz="4000" baseline="30000" dirty="0">
-              <a:latin typeface="Garamond" panose="02020404030301010803" pitchFamily="18" charset="0"/>
-            </a:endParaRPr>
-          </a:p>
-          <a:p>
-            <a:pPr algn="just"/>
-            <a:endParaRPr lang="en-US" sz="4000" baseline="30000" dirty="0">
-              <a:latin typeface="Garamond" panose="02020404030301010803" pitchFamily="18" charset="0"/>
-            </a:endParaRPr>
-          </a:p>
-          <a:p>
-            <a:pPr algn="just"/>
-            <a:endParaRPr lang="en-US" sz="4000" baseline="30000" dirty="0">
-              <a:latin typeface="Garamond" panose="02020404030301010803" pitchFamily="18" charset="0"/>
-            </a:endParaRPr>
-          </a:p>
-          <a:p>
-            <a:pPr algn="just"/>
-            <a:endParaRPr lang="en-US" sz="4000" baseline="30000" dirty="0">
-              <a:latin typeface="Garamond" panose="02020404030301010803" pitchFamily="18" charset="0"/>
-            </a:endParaRPr>
-          </a:p>
-          <a:p>
-            <a:pPr algn="just"/>
-            <a:endParaRPr lang="en-US" sz="4000" baseline="30000" dirty="0">
-              <a:latin typeface="Garamond" panose="02020404030301010803" pitchFamily="18" charset="0"/>
-            </a:endParaRPr>
-          </a:p>
-          <a:p>
-            <a:pPr algn="just"/>
-            <a:endParaRPr lang="en-US" sz="4000" baseline="30000" dirty="0">
-              <a:latin typeface="Garamond" panose="02020404030301010803" pitchFamily="18" charset="0"/>
-            </a:endParaRPr>
-          </a:p>
-          <a:p>
-            <a:pPr algn="just"/>
-            <a:endParaRPr lang="en-US" sz="4000" baseline="30000" dirty="0">
-              <a:latin typeface="Garamond" panose="02020404030301010803" pitchFamily="18" charset="0"/>
-            </a:endParaRPr>
-          </a:p>
-          <a:p>
-            <a:pPr algn="just"/>
-            <a:endParaRPr lang="en-US" sz="4000" baseline="30000" dirty="0">
-              <a:latin typeface="Garamond" panose="02020404030301010803" pitchFamily="18" charset="0"/>
-            </a:endParaRPr>
-          </a:p>
-          <a:p>
-            <a:pPr algn="just"/>
-            <a:endParaRPr lang="en-US" sz="4000" baseline="30000" dirty="0">
-              <a:latin typeface="Garamond" panose="02020404030301010803" pitchFamily="18" charset="0"/>
-            </a:endParaRPr>
-          </a:p>
-          <a:p>
-            <a:pPr algn="just"/>
-            <a:endParaRPr lang="en-US" sz="4000" baseline="30000" dirty="0">
-              <a:latin typeface="Garamond" panose="02020404030301010803" pitchFamily="18" charset="0"/>
-            </a:endParaRPr>
-          </a:p>
-          <a:p>
-            <a:pPr algn="just"/>
-            <a:endParaRPr lang="en-US" sz="4000" baseline="30000" dirty="0">
-              <a:latin typeface="Garamond" panose="02020404030301010803" pitchFamily="18" charset="0"/>
-            </a:endParaRPr>
-          </a:p>
-          <a:p>
-            <a:pPr algn="just"/>
-            <a:endParaRPr lang="en-US" sz="4000" baseline="30000" dirty="0">
-              <a:latin typeface="Garamond" panose="02020404030301010803" pitchFamily="18" charset="0"/>
-            </a:endParaRPr>
-          </a:p>
-          <a:p>
-            <a:pPr algn="just"/>
-            <a:endParaRPr lang="en-US" sz="4000" baseline="30000" dirty="0">
-              <a:latin typeface="Garamond" panose="02020404030301010803" pitchFamily="18" charset="0"/>
-            </a:endParaRPr>
-          </a:p>
-          <a:p>
-            <a:pPr algn="just"/>
-            <a:endParaRPr lang="en-US" sz="4000" baseline="30000" dirty="0">
-              <a:latin typeface="Garamond" panose="02020404030301010803" pitchFamily="18" charset="0"/>
-            </a:endParaRPr>
-          </a:p>
-          <a:p>
-            <a:pPr algn="just"/>
-            <a:endParaRPr lang="en-US" sz="4000" baseline="30000" dirty="0">
-              <a:latin typeface="Garamond" panose="02020404030301010803" pitchFamily="18" charset="0"/>
-            </a:endParaRPr>
-          </a:p>
-          <a:p>
-            <a:pPr algn="just"/>
-            <a:endParaRPr lang="en-US" sz="4000" baseline="30000" dirty="0">
-              <a:latin typeface="Garamond" panose="02020404030301010803" pitchFamily="18" charset="0"/>
-            </a:endParaRPr>
-          </a:p>
-          <a:p>
-            <a:pPr algn="just"/>
-            <a:endParaRPr lang="en-US" sz="4000" baseline="30000" dirty="0">
-              <a:latin typeface="Garamond" panose="02020404030301010803" pitchFamily="18" charset="0"/>
-            </a:endParaRPr>
-          </a:p>
-          <a:p>
-            <a:pPr algn="just"/>
-            <a:endParaRPr lang="en-US" sz="4000" baseline="30000" dirty="0">
-              <a:latin typeface="Garamond" panose="02020404030301010803" pitchFamily="18" charset="0"/>
-            </a:endParaRPr>
-          </a:p>
-          <a:p>
-            <a:pPr algn="just"/>
-            <a:endParaRPr lang="en-US" sz="4000" baseline="30000" dirty="0">
-              <a:latin typeface="Garamond" panose="02020404030301010803" pitchFamily="18" charset="0"/>
-            </a:endParaRPr>
-          </a:p>
-          <a:p>
-            <a:pPr algn="just"/>
-            <a:endParaRPr lang="en-US" sz="4000" baseline="30000" dirty="0">
-              <a:latin typeface="Garamond" panose="02020404030301010803" pitchFamily="18" charset="0"/>
-            </a:endParaRPr>
-          </a:p>
-          <a:p>
-            <a:pPr algn="just"/>
-            <a:endParaRPr lang="en-US" sz="4000" baseline="30000" dirty="0">
-              <a:latin typeface="Garamond" panose="02020404030301010803" pitchFamily="18" charset="0"/>
-            </a:endParaRPr>
-          </a:p>
-          <a:p>
-            <a:pPr algn="just"/>
-            <a:endParaRPr lang="en-US" sz="4000" baseline="30000" dirty="0">
-              <a:latin typeface="Garamond" panose="02020404030301010803" pitchFamily="18" charset="0"/>
-            </a:endParaRPr>
-          </a:p>
-          <a:p>
-            <a:pPr algn="just"/>
-            <a:endParaRPr lang="en-US" sz="4000" baseline="30000" dirty="0">
-              <a:latin typeface="Garamond" panose="02020404030301010803" pitchFamily="18" charset="0"/>
-            </a:endParaRPr>
-          </a:p>
-          <a:p>
-            <a:pPr algn="just"/>
-            <a:endParaRPr lang="en-US" sz="4000" dirty="0">
               <a:latin typeface="Garamond" panose="02020404030301010803" pitchFamily="18" charset="0"/>
             </a:endParaRPr>
           </a:p>
@@ -4355,8 +4218,8 @@
         </p:nvSpPr>
         <p:spPr>
           <a:xfrm>
-            <a:off x="14173200" y="24684769"/>
-            <a:ext cx="12808374" cy="707886"/>
+            <a:off x="11685791" y="24303904"/>
+            <a:ext cx="15265304" cy="707886"/>
           </a:xfrm>
           <a:prstGeom prst="rect">
             <a:avLst/>
@@ -4399,8 +4262,8 @@
         </p:nvSpPr>
         <p:spPr>
           <a:xfrm>
-            <a:off x="14406880" y="25831800"/>
-            <a:ext cx="12341014" cy="707886"/>
+            <a:off x="12009120" y="25229198"/>
+            <a:ext cx="14708294" cy="8094524"/>
           </a:xfrm>
           <a:prstGeom prst="rect">
             <a:avLst/>
@@ -4420,6 +4283,78 @@
               </a:rPr>
               <a:t>INSERT FEW TEXTS AND IMAGES</a:t>
             </a:r>
+          </a:p>
+          <a:p>
+            <a:pPr algn="just"/>
+            <a:endParaRPr lang="en-US" sz="4000" dirty="0">
+              <a:latin typeface="Garamond" panose="02020404030301010803" pitchFamily="18" charset="0"/>
+            </a:endParaRPr>
+          </a:p>
+          <a:p>
+            <a:pPr algn="just"/>
+            <a:endParaRPr lang="en-US" sz="4000" dirty="0">
+              <a:latin typeface="Garamond" panose="02020404030301010803" pitchFamily="18" charset="0"/>
+            </a:endParaRPr>
+          </a:p>
+          <a:p>
+            <a:pPr algn="just"/>
+            <a:endParaRPr lang="en-US" sz="4000" dirty="0">
+              <a:latin typeface="Garamond" panose="02020404030301010803" pitchFamily="18" charset="0"/>
+            </a:endParaRPr>
+          </a:p>
+          <a:p>
+            <a:pPr algn="just"/>
+            <a:endParaRPr lang="en-US" sz="4000" dirty="0">
+              <a:latin typeface="Garamond" panose="02020404030301010803" pitchFamily="18" charset="0"/>
+            </a:endParaRPr>
+          </a:p>
+          <a:p>
+            <a:pPr algn="just"/>
+            <a:endParaRPr lang="en-US" sz="4000" dirty="0">
+              <a:latin typeface="Garamond" panose="02020404030301010803" pitchFamily="18" charset="0"/>
+            </a:endParaRPr>
+          </a:p>
+          <a:p>
+            <a:pPr algn="just"/>
+            <a:endParaRPr lang="en-US" sz="4000" dirty="0">
+              <a:latin typeface="Garamond" panose="02020404030301010803" pitchFamily="18" charset="0"/>
+            </a:endParaRPr>
+          </a:p>
+          <a:p>
+            <a:pPr algn="just"/>
+            <a:endParaRPr lang="en-US" sz="4000" dirty="0">
+              <a:latin typeface="Garamond" panose="02020404030301010803" pitchFamily="18" charset="0"/>
+            </a:endParaRPr>
+          </a:p>
+          <a:p>
+            <a:pPr algn="just"/>
+            <a:endParaRPr lang="en-US" sz="4000" dirty="0">
+              <a:latin typeface="Garamond" panose="02020404030301010803" pitchFamily="18" charset="0"/>
+            </a:endParaRPr>
+          </a:p>
+          <a:p>
+            <a:pPr algn="just"/>
+            <a:endParaRPr lang="en-US" sz="4000" dirty="0">
+              <a:latin typeface="Garamond" panose="02020404030301010803" pitchFamily="18" charset="0"/>
+            </a:endParaRPr>
+          </a:p>
+          <a:p>
+            <a:pPr algn="just"/>
+            <a:endParaRPr lang="en-US" sz="4000" dirty="0">
+              <a:latin typeface="Garamond" panose="02020404030301010803" pitchFamily="18" charset="0"/>
+            </a:endParaRPr>
+          </a:p>
+          <a:p>
+            <a:pPr algn="just"/>
+            <a:endParaRPr lang="en-US" sz="4000" dirty="0">
+              <a:latin typeface="Garamond" panose="02020404030301010803" pitchFamily="18" charset="0"/>
+            </a:endParaRPr>
+          </a:p>
+          <a:p>
+            <a:pPr algn="just"/>
+            <a:endParaRPr lang="en-US" sz="4000" dirty="0">
+              <a:latin typeface="Garamond" panose="02020404030301010803" pitchFamily="18" charset="0"/>
+            </a:endParaRPr>
           </a:p>
         </p:txBody>
       </p:sp>
@@ -4437,8 +4372,8 @@
         </p:nvSpPr>
         <p:spPr>
           <a:xfrm>
-            <a:off x="447039" y="28418424"/>
-            <a:ext cx="12808374" cy="707886"/>
+            <a:off x="416560" y="31416234"/>
+            <a:ext cx="10919103" cy="707886"/>
           </a:xfrm>
           <a:prstGeom prst="rect">
             <a:avLst/>
@@ -4463,44 +4398,6 @@
                 <a:cs typeface="Didot" panose="02000503000000020003" pitchFamily="2" charset="-79"/>
               </a:rPr>
               <a:t>Limitations</a:t>
-            </a:r>
-          </a:p>
-        </p:txBody>
-      </p:sp>
-      <p:sp>
-        <p:nvSpPr>
-          <p:cNvPr id="20" name="TextBox 19">
-            <a:extLst>
-              <a:ext uri="{FF2B5EF4-FFF2-40B4-BE49-F238E27FC236}">
-                <a16:creationId xmlns:a16="http://schemas.microsoft.com/office/drawing/2014/main" id="{1C714071-B607-504C-9988-EDFC13DE3CD3}"/>
-              </a:ext>
-            </a:extLst>
-          </p:cNvPr>
-          <p:cNvSpPr txBox="1"/>
-          <p:nvPr/>
-        </p:nvSpPr>
-        <p:spPr>
-          <a:xfrm>
-            <a:off x="650240" y="29569891"/>
-            <a:ext cx="12341014" cy="2554545"/>
-          </a:xfrm>
-          <a:prstGeom prst="rect">
-            <a:avLst/>
-          </a:prstGeom>
-          <a:noFill/>
-        </p:spPr>
-        <p:txBody>
-          <a:bodyPr wrap="square" rtlCol="0">
-            <a:spAutoFit/>
-          </a:bodyPr>
-          <a:lstStyle/>
-          <a:p>
-            <a:pPr algn="just"/>
-            <a:r>
-              <a:rPr lang="en-US" sz="4000" dirty="0">
-                <a:latin typeface="Garamond" panose="02020404030301010803" pitchFamily="18" charset="0"/>
-              </a:rPr>
-              <a:t>Some limitations we faced were that we only were able to find one archive with past horoscope data, which limited us to one ”fortune teller’s” horoscopes predictions. Also due to the limit length of text, a lot of extracted keywords were similar. </a:t>
             </a:r>
           </a:p>
         </p:txBody>

--- a/Poster.pptx
+++ b/Poster.pptx
@@ -3106,7 +3106,7 @@
                 <a:latin typeface="Didot" panose="02000503000000020003" pitchFamily="2" charset="-79"/>
                 <a:cs typeface="Didot" panose="02000503000000020003" pitchFamily="2" charset="-79"/>
               </a:rPr>
-              <a:t>AI Horoscope</a:t>
+              <a:t>AI Horoscopes</a:t>
             </a:r>
           </a:p>
           <a:p>

--- a/Poster.pptx
+++ b/Poster.pptx
@@ -4250,116 +4250,6 @@
       </p:sp>
       <p:sp>
         <p:nvSpPr>
-          <p:cNvPr id="24" name="TextBox 23">
-            <a:extLst>
-              <a:ext uri="{FF2B5EF4-FFF2-40B4-BE49-F238E27FC236}">
-                <a16:creationId xmlns:a16="http://schemas.microsoft.com/office/drawing/2014/main" id="{17A4ED57-B196-FE40-BB48-3543B54ECF73}"/>
-              </a:ext>
-            </a:extLst>
-          </p:cNvPr>
-          <p:cNvSpPr txBox="1"/>
-          <p:nvPr/>
-        </p:nvSpPr>
-        <p:spPr>
-          <a:xfrm>
-            <a:off x="12009120" y="25229198"/>
-            <a:ext cx="14708294" cy="8094524"/>
-          </a:xfrm>
-          <a:prstGeom prst="rect">
-            <a:avLst/>
-          </a:prstGeom>
-          <a:noFill/>
-        </p:spPr>
-        <p:txBody>
-          <a:bodyPr wrap="square" rtlCol="0">
-            <a:spAutoFit/>
-          </a:bodyPr>
-          <a:lstStyle/>
-          <a:p>
-            <a:pPr algn="just"/>
-            <a:r>
-              <a:rPr lang="en-US" sz="4000" dirty="0">
-                <a:latin typeface="Garamond" panose="02020404030301010803" pitchFamily="18" charset="0"/>
-              </a:rPr>
-              <a:t>INSERT FEW TEXTS AND IMAGES</a:t>
-            </a:r>
-          </a:p>
-          <a:p>
-            <a:pPr algn="just"/>
-            <a:endParaRPr lang="en-US" sz="4000" dirty="0">
-              <a:latin typeface="Garamond" panose="02020404030301010803" pitchFamily="18" charset="0"/>
-            </a:endParaRPr>
-          </a:p>
-          <a:p>
-            <a:pPr algn="just"/>
-            <a:endParaRPr lang="en-US" sz="4000" dirty="0">
-              <a:latin typeface="Garamond" panose="02020404030301010803" pitchFamily="18" charset="0"/>
-            </a:endParaRPr>
-          </a:p>
-          <a:p>
-            <a:pPr algn="just"/>
-            <a:endParaRPr lang="en-US" sz="4000" dirty="0">
-              <a:latin typeface="Garamond" panose="02020404030301010803" pitchFamily="18" charset="0"/>
-            </a:endParaRPr>
-          </a:p>
-          <a:p>
-            <a:pPr algn="just"/>
-            <a:endParaRPr lang="en-US" sz="4000" dirty="0">
-              <a:latin typeface="Garamond" panose="02020404030301010803" pitchFamily="18" charset="0"/>
-            </a:endParaRPr>
-          </a:p>
-          <a:p>
-            <a:pPr algn="just"/>
-            <a:endParaRPr lang="en-US" sz="4000" dirty="0">
-              <a:latin typeface="Garamond" panose="02020404030301010803" pitchFamily="18" charset="0"/>
-            </a:endParaRPr>
-          </a:p>
-          <a:p>
-            <a:pPr algn="just"/>
-            <a:endParaRPr lang="en-US" sz="4000" dirty="0">
-              <a:latin typeface="Garamond" panose="02020404030301010803" pitchFamily="18" charset="0"/>
-            </a:endParaRPr>
-          </a:p>
-          <a:p>
-            <a:pPr algn="just"/>
-            <a:endParaRPr lang="en-US" sz="4000" dirty="0">
-              <a:latin typeface="Garamond" panose="02020404030301010803" pitchFamily="18" charset="0"/>
-            </a:endParaRPr>
-          </a:p>
-          <a:p>
-            <a:pPr algn="just"/>
-            <a:endParaRPr lang="en-US" sz="4000" dirty="0">
-              <a:latin typeface="Garamond" panose="02020404030301010803" pitchFamily="18" charset="0"/>
-            </a:endParaRPr>
-          </a:p>
-          <a:p>
-            <a:pPr algn="just"/>
-            <a:endParaRPr lang="en-US" sz="4000" dirty="0">
-              <a:latin typeface="Garamond" panose="02020404030301010803" pitchFamily="18" charset="0"/>
-            </a:endParaRPr>
-          </a:p>
-          <a:p>
-            <a:pPr algn="just"/>
-            <a:endParaRPr lang="en-US" sz="4000" dirty="0">
-              <a:latin typeface="Garamond" panose="02020404030301010803" pitchFamily="18" charset="0"/>
-            </a:endParaRPr>
-          </a:p>
-          <a:p>
-            <a:pPr algn="just"/>
-            <a:endParaRPr lang="en-US" sz="4000" dirty="0">
-              <a:latin typeface="Garamond" panose="02020404030301010803" pitchFamily="18" charset="0"/>
-            </a:endParaRPr>
-          </a:p>
-          <a:p>
-            <a:pPr algn="just"/>
-            <a:endParaRPr lang="en-US" sz="4000" dirty="0">
-              <a:latin typeface="Garamond" panose="02020404030301010803" pitchFamily="18" charset="0"/>
-            </a:endParaRPr>
-          </a:p>
-        </p:txBody>
-      </p:sp>
-      <p:sp>
-        <p:nvSpPr>
           <p:cNvPr id="19" name="TextBox 18">
             <a:extLst>
               <a:ext uri="{FF2B5EF4-FFF2-40B4-BE49-F238E27FC236}">
@@ -4402,6 +4292,36 @@
           </a:p>
         </p:txBody>
       </p:sp>
+      <p:pic>
+        <p:nvPicPr>
+          <p:cNvPr id="3" name="Picture 2">
+            <a:extLst>
+              <a:ext uri="{FF2B5EF4-FFF2-40B4-BE49-F238E27FC236}">
+                <a16:creationId xmlns:a16="http://schemas.microsoft.com/office/drawing/2014/main" id="{8EC081A1-CEB0-BD4A-BD7A-3858ED48951B}"/>
+              </a:ext>
+            </a:extLst>
+          </p:cNvPr>
+          <p:cNvPicPr>
+            <a:picLocks noChangeAspect="1"/>
+          </p:cNvPicPr>
+          <p:nvPr/>
+        </p:nvPicPr>
+        <p:blipFill>
+          <a:blip r:embed="rId2"/>
+          <a:stretch>
+            <a:fillRect/>
+          </a:stretch>
+        </p:blipFill>
+        <p:spPr>
+          <a:xfrm>
+            <a:off x="12496800" y="25229198"/>
+            <a:ext cx="13639800" cy="7925830"/>
+          </a:xfrm>
+          <a:prstGeom prst="rect">
+            <a:avLst/>
+          </a:prstGeom>
+        </p:spPr>
+      </p:pic>
     </p:spTree>
     <p:extLst>
       <p:ext uri="{BB962C8B-B14F-4D97-AF65-F5344CB8AC3E}">
